--- a/3D Gaussian_Splatting via Masking Dynamic Objects.pptx
+++ b/3D Gaussian_Splatting via Masking Dynamic Objects.pptx
@@ -219,7 +219,7 @@
           <a:p>
             <a:fld id="{8ABEC776-E625-468F-82D5-EE59A9E1DE49}" type="datetimeFigureOut">
               <a:rPr lang="en-US" smtClean="0"/>
-              <a:t>1/1/2026</a:t>
+              <a:t>1/3/2026</a:t>
             </a:fld>
             <a:endParaRPr lang="en-US"/>
           </a:p>
@@ -2080,6 +2080,90 @@
           <a:p>
             <a:fld id="{F727A8F3-6447-4D56-B1DA-1C35DDA8BB16}" type="slidenum">
               <a:rPr lang="en-US" smtClean="0"/>
+              <a:t>10</a:t>
+            </a:fld>
+            <a:endParaRPr lang="en-US"/>
+          </a:p>
+        </p:txBody>
+      </p:sp>
+    </p:spTree>
+    <p:extLst>
+      <p:ext uri="{BB962C8B-B14F-4D97-AF65-F5344CB8AC3E}">
+        <p14:creationId xmlns:p14="http://schemas.microsoft.com/office/powerpoint/2010/main" val="3154629698"/>
+      </p:ext>
+    </p:extLst>
+  </p:cSld>
+  <p:clrMapOvr>
+    <a:masterClrMapping/>
+  </p:clrMapOvr>
+</p:notes>
+</file>
+
+<file path=ppt/notesSlides/notesSlide7.xml><?xml version="1.0" encoding="utf-8"?>
+<p:notes xmlns:a="http://schemas.openxmlformats.org/drawingml/2006/main" xmlns:r="http://schemas.openxmlformats.org/officeDocument/2006/relationships" xmlns:p="http://schemas.openxmlformats.org/presentationml/2006/main">
+  <p:cSld>
+    <p:spTree>
+      <p:nvGrpSpPr>
+        <p:cNvPr id="1" name=""/>
+        <p:cNvGrpSpPr/>
+        <p:nvPr/>
+      </p:nvGrpSpPr>
+      <p:grpSpPr>
+        <a:xfrm>
+          <a:off x="0" y="0"/>
+          <a:ext cx="0" cy="0"/>
+          <a:chOff x="0" y="0"/>
+          <a:chExt cx="0" cy="0"/>
+        </a:xfrm>
+      </p:grpSpPr>
+      <p:sp>
+        <p:nvSpPr>
+          <p:cNvPr id="2" name="Slide Image Placeholder 1"/>
+          <p:cNvSpPr>
+            <a:spLocks noGrp="1" noRot="1" noChangeAspect="1"/>
+          </p:cNvSpPr>
+          <p:nvPr>
+            <p:ph type="sldImg"/>
+          </p:nvPr>
+        </p:nvSpPr>
+        <p:spPr/>
+      </p:sp>
+      <p:sp>
+        <p:nvSpPr>
+          <p:cNvPr id="3" name="Notes Placeholder 2"/>
+          <p:cNvSpPr>
+            <a:spLocks noGrp="1"/>
+          </p:cNvSpPr>
+          <p:nvPr>
+            <p:ph type="body" idx="1"/>
+          </p:nvPr>
+        </p:nvSpPr>
+        <p:spPr/>
+        <p:txBody>
+          <a:bodyPr/>
+          <a:lstStyle/>
+          <a:p>
+            <a:endParaRPr lang="en-US" dirty="0"/>
+          </a:p>
+        </p:txBody>
+      </p:sp>
+      <p:sp>
+        <p:nvSpPr>
+          <p:cNvPr id="4" name="Slide Number Placeholder 3"/>
+          <p:cNvSpPr>
+            <a:spLocks noGrp="1"/>
+          </p:cNvSpPr>
+          <p:nvPr>
+            <p:ph type="sldNum" sz="quarter" idx="5"/>
+          </p:nvPr>
+        </p:nvSpPr>
+        <p:spPr/>
+        <p:txBody>
+          <a:bodyPr/>
+          <a:lstStyle/>
+          <a:p>
+            <a:fld id="{F727A8F3-6447-4D56-B1DA-1C35DDA8BB16}" type="slidenum">
+              <a:rPr lang="en-US" smtClean="0"/>
               <a:t>12</a:t>
             </a:fld>
             <a:endParaRPr lang="en-US"/>
@@ -2285,7 +2369,7 @@
           <a:p>
             <a:fld id="{5BCAD085-E8A6-8845-BD4E-CB4CCA059FC4}" type="datetimeFigureOut">
               <a:rPr lang="en-US" smtClean="0"/>
-              <a:t>1/1/2026</a:t>
+              <a:t>1/3/2026</a:t>
             </a:fld>
             <a:endParaRPr lang="en-US"/>
           </a:p>
@@ -2560,7 +2644,7 @@
           <a:p>
             <a:fld id="{5BCAD085-E8A6-8845-BD4E-CB4CCA059FC4}" type="datetimeFigureOut">
               <a:rPr lang="en-US" smtClean="0"/>
-              <a:t>1/1/2026</a:t>
+              <a:t>1/3/2026</a:t>
             </a:fld>
             <a:endParaRPr lang="en-US"/>
           </a:p>
@@ -2754,7 +2838,7 @@
           <a:p>
             <a:fld id="{5BCAD085-E8A6-8845-BD4E-CB4CCA059FC4}" type="datetimeFigureOut">
               <a:rPr lang="en-US" smtClean="0"/>
-              <a:t>1/1/2026</a:t>
+              <a:t>1/3/2026</a:t>
             </a:fld>
             <a:endParaRPr lang="en-US"/>
           </a:p>
@@ -3027,7 +3111,7 @@
           <a:p>
             <a:fld id="{5BCAD085-E8A6-8845-BD4E-CB4CCA059FC4}" type="datetimeFigureOut">
               <a:rPr lang="en-US" smtClean="0"/>
-              <a:t>1/1/2026</a:t>
+              <a:t>1/3/2026</a:t>
             </a:fld>
             <a:endParaRPr lang="en-US"/>
           </a:p>
@@ -3368,7 +3452,7 @@
           <a:p>
             <a:fld id="{5BCAD085-E8A6-8845-BD4E-CB4CCA059FC4}" type="datetimeFigureOut">
               <a:rPr lang="en-US" smtClean="0"/>
-              <a:t>1/1/2026</a:t>
+              <a:t>1/3/2026</a:t>
             </a:fld>
             <a:endParaRPr lang="en-US"/>
           </a:p>
@@ -3991,7 +4075,7 @@
           <a:p>
             <a:fld id="{5BCAD085-E8A6-8845-BD4E-CB4CCA059FC4}" type="datetimeFigureOut">
               <a:rPr lang="en-US" smtClean="0"/>
-              <a:t>1/1/2026</a:t>
+              <a:t>1/3/2026</a:t>
             </a:fld>
             <a:endParaRPr lang="en-US"/>
           </a:p>
@@ -4851,7 +4935,7 @@
           <a:p>
             <a:fld id="{5BCAD085-E8A6-8845-BD4E-CB4CCA059FC4}" type="datetimeFigureOut">
               <a:rPr lang="en-US" smtClean="0"/>
-              <a:t>1/1/2026</a:t>
+              <a:t>1/3/2026</a:t>
             </a:fld>
             <a:endParaRPr lang="en-US"/>
           </a:p>
@@ -5021,7 +5105,7 @@
           <a:p>
             <a:fld id="{5BCAD085-E8A6-8845-BD4E-CB4CCA059FC4}" type="datetimeFigureOut">
               <a:rPr lang="en-US" smtClean="0"/>
-              <a:t>1/1/2026</a:t>
+              <a:t>1/3/2026</a:t>
             </a:fld>
             <a:endParaRPr lang="en-US"/>
           </a:p>
@@ -5201,7 +5285,7 @@
           <a:p>
             <a:fld id="{5BCAD085-E8A6-8845-BD4E-CB4CCA059FC4}" type="datetimeFigureOut">
               <a:rPr lang="en-US" smtClean="0"/>
-              <a:t>1/1/2026</a:t>
+              <a:t>1/3/2026</a:t>
             </a:fld>
             <a:endParaRPr lang="en-US"/>
           </a:p>
@@ -5371,7 +5455,7 @@
           <a:p>
             <a:fld id="{5BCAD085-E8A6-8845-BD4E-CB4CCA059FC4}" type="datetimeFigureOut">
               <a:rPr lang="en-US" smtClean="0"/>
-              <a:t>1/1/2026</a:t>
+              <a:t>1/3/2026</a:t>
             </a:fld>
             <a:endParaRPr lang="en-US"/>
           </a:p>
@@ -5618,7 +5702,7 @@
           <a:p>
             <a:fld id="{5BCAD085-E8A6-8845-BD4E-CB4CCA059FC4}" type="datetimeFigureOut">
               <a:rPr lang="en-US" smtClean="0"/>
-              <a:t>1/1/2026</a:t>
+              <a:t>1/3/2026</a:t>
             </a:fld>
             <a:endParaRPr lang="en-US"/>
           </a:p>
@@ -5910,7 +5994,7 @@
           <a:p>
             <a:fld id="{5BCAD085-E8A6-8845-BD4E-CB4CCA059FC4}" type="datetimeFigureOut">
               <a:rPr lang="en-US" smtClean="0"/>
-              <a:t>1/1/2026</a:t>
+              <a:t>1/3/2026</a:t>
             </a:fld>
             <a:endParaRPr lang="en-US"/>
           </a:p>
@@ -6354,7 +6438,7 @@
           <a:p>
             <a:fld id="{5BCAD085-E8A6-8845-BD4E-CB4CCA059FC4}" type="datetimeFigureOut">
               <a:rPr lang="en-US" smtClean="0"/>
-              <a:t>1/1/2026</a:t>
+              <a:t>1/3/2026</a:t>
             </a:fld>
             <a:endParaRPr lang="en-US"/>
           </a:p>
@@ -6472,7 +6556,7 @@
           <a:p>
             <a:fld id="{5BCAD085-E8A6-8845-BD4E-CB4CCA059FC4}" type="datetimeFigureOut">
               <a:rPr lang="en-US" smtClean="0"/>
-              <a:t>1/1/2026</a:t>
+              <a:t>1/3/2026</a:t>
             </a:fld>
             <a:endParaRPr lang="en-US"/>
           </a:p>
@@ -6567,7 +6651,7 @@
           <a:p>
             <a:fld id="{5BCAD085-E8A6-8845-BD4E-CB4CCA059FC4}" type="datetimeFigureOut">
               <a:rPr lang="en-US" smtClean="0"/>
-              <a:t>1/1/2026</a:t>
+              <a:t>1/3/2026</a:t>
             </a:fld>
             <a:endParaRPr lang="en-US"/>
           </a:p>
@@ -6846,7 +6930,7 @@
           <a:p>
             <a:fld id="{5BCAD085-E8A6-8845-BD4E-CB4CCA059FC4}" type="datetimeFigureOut">
               <a:rPr lang="en-US" smtClean="0"/>
-              <a:t>1/1/2026</a:t>
+              <a:t>1/3/2026</a:t>
             </a:fld>
             <a:endParaRPr lang="en-US"/>
           </a:p>
@@ -7121,7 +7205,7 @@
           <a:p>
             <a:fld id="{5BCAD085-E8A6-8845-BD4E-CB4CCA059FC4}" type="datetimeFigureOut">
               <a:rPr lang="en-US" smtClean="0"/>
-              <a:t>1/1/2026</a:t>
+              <a:t>1/3/2026</a:t>
             </a:fld>
             <a:endParaRPr lang="en-US"/>
           </a:p>
@@ -7550,7 +7634,7 @@
           <a:p>
             <a:fld id="{5BCAD085-E8A6-8845-BD4E-CB4CCA059FC4}" type="datetimeFigureOut">
               <a:rPr lang="en-US" smtClean="0"/>
-              <a:t>1/1/2026</a:t>
+              <a:t>1/3/2026</a:t>
             </a:fld>
             <a:endParaRPr lang="en-US"/>
           </a:p>
@@ -8410,8 +8494,8 @@
         </p:nvSpPr>
         <p:spPr>
           <a:xfrm>
-            <a:off x="1269920" y="9605"/>
-            <a:ext cx="9402274" cy="886225"/>
+            <a:off x="581892" y="9605"/>
+            <a:ext cx="11122428" cy="886225"/>
           </a:xfrm>
         </p:spPr>
         <p:txBody>
@@ -8437,51 +8521,8 @@
                 <a:latin typeface="Times New Roman" panose="02020603050405020304" pitchFamily="18" charset="0"/>
                 <a:cs typeface="Times New Roman" panose="02020603050405020304" pitchFamily="18" charset="0"/>
               </a:rPr>
-              <a:t>Metrics </a:t>
-            </a:r>
-            <a:r>
-              <a:rPr lang="en-US" sz="3200" dirty="0" err="1">
-                <a:latin typeface="Times New Roman" panose="02020603050405020304" pitchFamily="18" charset="0"/>
-                <a:cs typeface="Times New Roman" panose="02020603050405020304" pitchFamily="18" charset="0"/>
-              </a:rPr>
-              <a:t>Comparison</a:t>
-            </a:r>
-            <a:r>
-              <a:rPr lang="en-US" sz="3200" dirty="0" err="1">
-                <a:latin typeface="Times New Roman" panose="02020603050405020304" pitchFamily="18" charset="0"/>
-                <a:cs typeface="Times New Roman" panose="02020603050405020304" pitchFamily="18" charset="0"/>
-                <a:hlinkClick r:id="rId2" action="ppaction://hlinkfile"/>
-              </a:rPr>
-              <a:t>ML</a:t>
-            </a:r>
-            <a:r>
-              <a:rPr lang="en-US" sz="3200" dirty="0">
-                <a:latin typeface="Times New Roman" panose="02020603050405020304" pitchFamily="18" charset="0"/>
-                <a:cs typeface="Times New Roman" panose="02020603050405020304" pitchFamily="18" charset="0"/>
-                <a:hlinkClick r:id="rId2" action="ppaction://hlinkfile"/>
-              </a:rPr>
-              <a:t> in Robotics 202510\3dgs </a:t>
-            </a:r>
-            <a:r>
-              <a:rPr lang="en-US" sz="3200" dirty="0" err="1">
-                <a:latin typeface="Times New Roman" panose="02020603050405020304" pitchFamily="18" charset="0"/>
-                <a:cs typeface="Times New Roman" panose="02020603050405020304" pitchFamily="18" charset="0"/>
-                <a:hlinkClick r:id="rId2" action="ppaction://hlinkfile"/>
-              </a:rPr>
-              <a:t>traing</a:t>
-            </a:r>
-            <a:r>
-              <a:rPr lang="en-US" sz="3200" dirty="0">
-                <a:latin typeface="Times New Roman" panose="02020603050405020304" pitchFamily="18" charset="0"/>
-                <a:cs typeface="Times New Roman" panose="02020603050405020304" pitchFamily="18" charset="0"/>
-                <a:hlinkClick r:id="rId2" action="ppaction://hlinkfile"/>
-              </a:rPr>
-              <a:t> Results\comparison_figures_actual.png</a:t>
-            </a:r>
-            <a:endParaRPr lang="en-US" sz="3200" dirty="0">
-              <a:latin typeface="Times New Roman" panose="02020603050405020304" pitchFamily="18" charset="0"/>
-              <a:cs typeface="Times New Roman" panose="02020603050405020304" pitchFamily="18" charset="0"/>
-            </a:endParaRPr>
+              <a:t>Metrics Comparison</a:t>
+            </a:r>
           </a:p>
         </p:txBody>
       </p:sp>
@@ -8520,12 +8561,83 @@
           </a:p>
         </p:txBody>
       </p:sp>
+      <p:sp>
+        <p:nvSpPr>
+          <p:cNvPr id="10" name="TextBox 9">
+            <a:extLst>
+              <a:ext uri="{FF2B5EF4-FFF2-40B4-BE49-F238E27FC236}">
+                <a16:creationId xmlns:a16="http://schemas.microsoft.com/office/drawing/2014/main" id="{2FAD4704-B51A-457D-A3DA-274FE817A5B5}"/>
+              </a:ext>
+            </a:extLst>
+          </p:cNvPr>
+          <p:cNvSpPr txBox="1"/>
+          <p:nvPr/>
+        </p:nvSpPr>
+        <p:spPr>
+          <a:xfrm>
+            <a:off x="6263594" y="6336242"/>
+            <a:ext cx="4514850" cy="369332"/>
+          </a:xfrm>
+          <a:prstGeom prst="rect">
+            <a:avLst/>
+          </a:prstGeom>
+          <a:noFill/>
+        </p:spPr>
+        <p:txBody>
+          <a:bodyPr wrap="square" rtlCol="0">
+            <a:spAutoFit/>
+          </a:bodyPr>
+          <a:lstStyle/>
+          <a:p>
+            <a:r>
+              <a:rPr lang="en-US" dirty="0"/>
+              <a:t>Fig. 3.1B: Bar chart view per methods</a:t>
+            </a:r>
+          </a:p>
+        </p:txBody>
+      </p:sp>
+      <p:sp>
+        <p:nvSpPr>
+          <p:cNvPr id="7" name="TextBox 6">
+            <a:extLst>
+              <a:ext uri="{FF2B5EF4-FFF2-40B4-BE49-F238E27FC236}">
+                <a16:creationId xmlns:a16="http://schemas.microsoft.com/office/drawing/2014/main" id="{C9CB8108-6334-4D42-8BA6-5F4450059B6F}"/>
+              </a:ext>
+            </a:extLst>
+          </p:cNvPr>
+          <p:cNvSpPr txBox="1"/>
+          <p:nvPr/>
+        </p:nvSpPr>
+        <p:spPr>
+          <a:xfrm>
+            <a:off x="9101138" y="243959"/>
+            <a:ext cx="3043237" cy="369332"/>
+          </a:xfrm>
+          <a:prstGeom prst="rect">
+            <a:avLst/>
+          </a:prstGeom>
+          <a:noFill/>
+        </p:spPr>
+        <p:txBody>
+          <a:bodyPr wrap="square" rtlCol="0">
+            <a:spAutoFit/>
+          </a:bodyPr>
+          <a:lstStyle/>
+          <a:p>
+            <a:pPr algn="ctr"/>
+            <a:r>
+              <a:rPr lang="en-US" dirty="0"/>
+              <a:t>ITMO UNIVERSITY</a:t>
+            </a:r>
+          </a:p>
+        </p:txBody>
+      </p:sp>
       <p:pic>
         <p:nvPicPr>
-          <p:cNvPr id="3074" name="Picture 2">
+          <p:cNvPr id="1026" name="Picture 2">
             <a:extLst>
               <a:ext uri="{FF2B5EF4-FFF2-40B4-BE49-F238E27FC236}">
-                <a16:creationId xmlns:a16="http://schemas.microsoft.com/office/drawing/2014/main" id="{2CB908D0-02EE-4310-B0AD-DDB43A61CC01}"/>
+                <a16:creationId xmlns:a16="http://schemas.microsoft.com/office/drawing/2014/main" id="{C4CC0EC2-8A99-4032-9FA9-DCE6B878C30F}"/>
               </a:ext>
             </a:extLst>
           </p:cNvPr>
@@ -8549,8 +8661,8 @@
         </p:blipFill>
         <p:spPr bwMode="auto">
           <a:xfrm>
-            <a:off x="971601" y="1130530"/>
-            <a:ext cx="5122812" cy="4971012"/>
+            <a:off x="681646" y="1477148"/>
+            <a:ext cx="5602777" cy="4932893"/>
           </a:xfrm>
           <a:prstGeom prst="rect">
             <a:avLst/>
@@ -8569,10 +8681,10 @@
       </p:pic>
       <p:pic>
         <p:nvPicPr>
-          <p:cNvPr id="3076" name="Picture 4">
+          <p:cNvPr id="1028" name="Picture 4">
             <a:extLst>
               <a:ext uri="{FF2B5EF4-FFF2-40B4-BE49-F238E27FC236}">
-                <a16:creationId xmlns:a16="http://schemas.microsoft.com/office/drawing/2014/main" id="{9EA77164-A866-4C2D-8A24-D5B8281B2371}"/>
+                <a16:creationId xmlns:a16="http://schemas.microsoft.com/office/drawing/2014/main" id="{4C59FD9A-8017-49EA-A092-C0BF23D6F1EB}"/>
               </a:ext>
             </a:extLst>
           </p:cNvPr>
@@ -8596,8 +8708,8 @@
         </p:blipFill>
         <p:spPr bwMode="auto">
           <a:xfrm>
-            <a:off x="6284423" y="1130530"/>
-            <a:ext cx="5602778" cy="4971012"/>
+            <a:off x="6586048" y="1403349"/>
+            <a:ext cx="5317777" cy="4932893"/>
           </a:xfrm>
           <a:prstGeom prst="rect">
             <a:avLst/>
@@ -8616,10 +8728,10 @@
       </p:pic>
       <p:sp>
         <p:nvSpPr>
-          <p:cNvPr id="10" name="TextBox 9">
+          <p:cNvPr id="4" name="TextBox 3">
             <a:extLst>
               <a:ext uri="{FF2B5EF4-FFF2-40B4-BE49-F238E27FC236}">
-                <a16:creationId xmlns:a16="http://schemas.microsoft.com/office/drawing/2014/main" id="{2FAD4704-B51A-457D-A3DA-274FE817A5B5}"/>
+                <a16:creationId xmlns:a16="http://schemas.microsoft.com/office/drawing/2014/main" id="{89D03277-DC43-4F45-95B6-73BECFC75B6C}"/>
               </a:ext>
             </a:extLst>
           </p:cNvPr>
@@ -8628,13 +8740,15 @@
         </p:nvSpPr>
         <p:spPr>
           <a:xfrm>
-            <a:off x="6263594" y="6336242"/>
-            <a:ext cx="4514850" cy="369332"/>
+            <a:off x="7157259" y="1065170"/>
+            <a:ext cx="4239490" cy="369332"/>
           </a:xfrm>
           <a:prstGeom prst="rect">
             <a:avLst/>
           </a:prstGeom>
-          <a:noFill/>
+          <a:solidFill>
+            <a:schemeClr val="accent1"/>
+          </a:solidFill>
         </p:spPr>
         <p:txBody>
           <a:bodyPr wrap="square" rtlCol="0">
@@ -8642,10 +8756,42 @@
           </a:bodyPr>
           <a:lstStyle/>
           <a:p>
-            <a:r>
-              <a:rPr lang="en-US" dirty="0"/>
-              <a:t>Fig. 3.1B: Bar chart view per methods</a:t>
-            </a:r>
+            <a:endParaRPr lang="en-US" dirty="0"/>
+          </a:p>
+        </p:txBody>
+      </p:sp>
+      <p:sp>
+        <p:nvSpPr>
+          <p:cNvPr id="8" name="TextBox 7">
+            <a:hlinkClick r:id="rId5" action="ppaction://hlinkfile"/>
+            <a:extLst>
+              <a:ext uri="{FF2B5EF4-FFF2-40B4-BE49-F238E27FC236}">
+                <a16:creationId xmlns:a16="http://schemas.microsoft.com/office/drawing/2014/main" id="{027B0885-333A-4DFC-BF4D-6FDAA2971FD3}"/>
+              </a:ext>
+            </a:extLst>
+          </p:cNvPr>
+          <p:cNvSpPr txBox="1"/>
+          <p:nvPr/>
+        </p:nvSpPr>
+        <p:spPr>
+          <a:xfrm>
+            <a:off x="581892" y="895830"/>
+            <a:ext cx="3325090" cy="538672"/>
+          </a:xfrm>
+          <a:prstGeom prst="rect">
+            <a:avLst/>
+          </a:prstGeom>
+          <a:solidFill>
+            <a:schemeClr val="accent1"/>
+          </a:solidFill>
+        </p:spPr>
+        <p:txBody>
+          <a:bodyPr wrap="square" rtlCol="0">
+            <a:spAutoFit/>
+          </a:bodyPr>
+          <a:lstStyle/>
+          <a:p>
+            <a:endParaRPr lang="en-US" dirty="0"/>
           </a:p>
         </p:txBody>
       </p:sp>
@@ -8697,8 +8843,8 @@
         </p:nvSpPr>
         <p:spPr>
           <a:xfrm>
-            <a:off x="1576969" y="452718"/>
-            <a:ext cx="9402274" cy="1010322"/>
+            <a:off x="1576969" y="82458"/>
+            <a:ext cx="6752384" cy="786548"/>
           </a:xfrm>
         </p:spPr>
         <p:txBody>
@@ -8706,18 +8852,106 @@
           <a:lstStyle/>
           <a:p>
             <a:r>
+              <a:rPr lang="en-US" sz="3200" dirty="0"/>
+              <a:t>OVERALL METRIC COMPARISON</a:t>
+            </a:r>
+          </a:p>
+        </p:txBody>
+      </p:sp>
+      <p:sp>
+        <p:nvSpPr>
+          <p:cNvPr id="4" name="TextBox 3">
+            <a:extLst>
+              <a:ext uri="{FF2B5EF4-FFF2-40B4-BE49-F238E27FC236}">
+                <a16:creationId xmlns:a16="http://schemas.microsoft.com/office/drawing/2014/main" id="{F8EEC38D-39FF-4ACA-A640-6826C19D3305}"/>
+              </a:ext>
+            </a:extLst>
+          </p:cNvPr>
+          <p:cNvSpPr txBox="1"/>
+          <p:nvPr/>
+        </p:nvSpPr>
+        <p:spPr>
+          <a:xfrm>
+            <a:off x="1410381" y="6220910"/>
+            <a:ext cx="8564892" cy="646331"/>
+          </a:xfrm>
+          <a:prstGeom prst="rect">
+            <a:avLst/>
+          </a:prstGeom>
+          <a:noFill/>
+        </p:spPr>
+        <p:txBody>
+          <a:bodyPr wrap="square" rtlCol="0">
+            <a:spAutoFit/>
+          </a:bodyPr>
+          <a:lstStyle/>
+          <a:p>
+            <a:r>
               <a:rPr lang="en-US" dirty="0"/>
-              <a:t>OVERALL METRIC COMPARISON</a:t>
+              <a:t>Fig. 3.1C: Overall Metric </a:t>
+            </a:r>
+            <a:r>
+              <a:rPr lang="en-US" dirty="0" err="1"/>
+              <a:t>Comparison</a:t>
+            </a:r>
+            <a:r>
+              <a:rPr lang="en-US" dirty="0" err="1">
+                <a:hlinkClick r:id="rId2" action="ppaction://hlinkfile"/>
+              </a:rPr>
+              <a:t>ML</a:t>
+            </a:r>
+            <a:r>
+              <a:rPr lang="en-US" dirty="0">
+                <a:hlinkClick r:id="rId2" action="ppaction://hlinkfile"/>
+              </a:rPr>
+              <a:t> in Robotics 202510\OVERALL COMPARISON.png</a:t>
+            </a:r>
+            <a:endParaRPr lang="en-US" dirty="0"/>
+          </a:p>
+        </p:txBody>
+      </p:sp>
+      <p:sp>
+        <p:nvSpPr>
+          <p:cNvPr id="5" name="TextBox 4">
+            <a:extLst>
+              <a:ext uri="{FF2B5EF4-FFF2-40B4-BE49-F238E27FC236}">
+                <a16:creationId xmlns:a16="http://schemas.microsoft.com/office/drawing/2014/main" id="{F46E9A38-9BCF-469B-8ADD-76488D828923}"/>
+              </a:ext>
+            </a:extLst>
+          </p:cNvPr>
+          <p:cNvSpPr txBox="1"/>
+          <p:nvPr/>
+        </p:nvSpPr>
+        <p:spPr>
+          <a:xfrm>
+            <a:off x="9101138" y="243959"/>
+            <a:ext cx="3043237" cy="369332"/>
+          </a:xfrm>
+          <a:prstGeom prst="rect">
+            <a:avLst/>
+          </a:prstGeom>
+          <a:noFill/>
+        </p:spPr>
+        <p:txBody>
+          <a:bodyPr wrap="square" rtlCol="0">
+            <a:spAutoFit/>
+          </a:bodyPr>
+          <a:lstStyle/>
+          <a:p>
+            <a:pPr algn="ctr"/>
+            <a:r>
+              <a:rPr lang="en-US" dirty="0"/>
+              <a:t>ITMO UNIVERSITY</a:t>
             </a:r>
           </a:p>
         </p:txBody>
       </p:sp>
       <p:pic>
         <p:nvPicPr>
-          <p:cNvPr id="4098" name="Picture 2">
+          <p:cNvPr id="2050" name="Picture 2">
             <a:extLst>
               <a:ext uri="{FF2B5EF4-FFF2-40B4-BE49-F238E27FC236}">
-                <a16:creationId xmlns:a16="http://schemas.microsoft.com/office/drawing/2014/main" id="{B0618ED6-97BF-403D-A433-D6EF93BF75C2}"/>
+                <a16:creationId xmlns:a16="http://schemas.microsoft.com/office/drawing/2014/main" id="{2AB82945-7D23-46C7-BE62-A6D9DD56155B}"/>
               </a:ext>
             </a:extLst>
           </p:cNvPr>
@@ -8727,7 +8961,7 @@
           <p:nvPr/>
         </p:nvPicPr>
         <p:blipFill>
-          <a:blip r:embed="rId2">
+          <a:blip r:embed="rId3">
             <a:extLst>
               <a:ext uri="{28A0092B-C50C-407E-A947-70E740481C1C}">
                 <a14:useLocalDpi xmlns:a14="http://schemas.microsoft.com/office/drawing/2010/main" val="0"/>
@@ -8741,8 +8975,8 @@
         </p:blipFill>
         <p:spPr bwMode="auto">
           <a:xfrm>
-            <a:off x="1209581" y="485969"/>
-            <a:ext cx="10045851" cy="5503025"/>
+            <a:off x="1258888" y="869006"/>
+            <a:ext cx="9671050" cy="5285320"/>
           </a:xfrm>
           <a:prstGeom prst="rect">
             <a:avLst/>
@@ -8759,41 +8993,6 @@
           </a:extLst>
         </p:spPr>
       </p:pic>
-      <p:sp>
-        <p:nvSpPr>
-          <p:cNvPr id="4" name="TextBox 3">
-            <a:extLst>
-              <a:ext uri="{FF2B5EF4-FFF2-40B4-BE49-F238E27FC236}">
-                <a16:creationId xmlns:a16="http://schemas.microsoft.com/office/drawing/2014/main" id="{F8EEC38D-39FF-4ACA-A640-6826C19D3305}"/>
-              </a:ext>
-            </a:extLst>
-          </p:cNvPr>
-          <p:cNvSpPr txBox="1"/>
-          <p:nvPr/>
-        </p:nvSpPr>
-        <p:spPr>
-          <a:xfrm>
-            <a:off x="1410381" y="6410041"/>
-            <a:ext cx="4514850" cy="369332"/>
-          </a:xfrm>
-          <a:prstGeom prst="rect">
-            <a:avLst/>
-          </a:prstGeom>
-          <a:noFill/>
-        </p:spPr>
-        <p:txBody>
-          <a:bodyPr wrap="square" rtlCol="0">
-            <a:spAutoFit/>
-          </a:bodyPr>
-          <a:lstStyle/>
-          <a:p>
-            <a:r>
-              <a:rPr lang="en-US" dirty="0"/>
-              <a:t>Fig. 3.1C: Overall Metric Comparison</a:t>
-            </a:r>
-          </a:p>
-        </p:txBody>
-      </p:sp>
     </p:spTree>
     <p:extLst>
       <p:ext uri="{BB962C8B-B14F-4D97-AF65-F5344CB8AC3E}">
@@ -9711,6 +9910,42 @@
                 <a:cs typeface="Times New Roman" panose="02020603050405020304" pitchFamily="18" charset="0"/>
               </a:rPr>
               <a:t>SECTION ONE: </a:t>
+            </a:r>
+          </a:p>
+        </p:txBody>
+      </p:sp>
+      <p:sp>
+        <p:nvSpPr>
+          <p:cNvPr id="5" name="TextBox 4">
+            <a:extLst>
+              <a:ext uri="{FF2B5EF4-FFF2-40B4-BE49-F238E27FC236}">
+                <a16:creationId xmlns:a16="http://schemas.microsoft.com/office/drawing/2014/main" id="{D82E8694-F946-48FD-B89F-283800E4B563}"/>
+              </a:ext>
+            </a:extLst>
+          </p:cNvPr>
+          <p:cNvSpPr txBox="1"/>
+          <p:nvPr/>
+        </p:nvSpPr>
+        <p:spPr>
+          <a:xfrm>
+            <a:off x="9101138" y="243959"/>
+            <a:ext cx="3043237" cy="369332"/>
+          </a:xfrm>
+          <a:prstGeom prst="rect">
+            <a:avLst/>
+          </a:prstGeom>
+          <a:noFill/>
+        </p:spPr>
+        <p:txBody>
+          <a:bodyPr wrap="square" rtlCol="0">
+            <a:spAutoFit/>
+          </a:bodyPr>
+          <a:lstStyle/>
+          <a:p>
+            <a:pPr algn="ctr"/>
+            <a:r>
+              <a:rPr lang="en-US" dirty="0"/>
+              <a:t>ITMO UNIVERSITY</a:t>
             </a:r>
           </a:p>
         </p:txBody>
@@ -14337,8 +14572,8 @@
         </p:nvSpPr>
         <p:spPr>
           <a:xfrm>
-            <a:off x="3751262" y="320903"/>
-            <a:ext cx="4686299" cy="584775"/>
+            <a:off x="1845425" y="320903"/>
+            <a:ext cx="8229599" cy="584775"/>
           </a:xfrm>
           <a:prstGeom prst="rect">
             <a:avLst/>
@@ -14356,8 +14591,20 @@
                 <a:latin typeface="Times New Roman" panose="02020603050405020304" pitchFamily="18" charset="0"/>
                 <a:cs typeface="Times New Roman" panose="02020603050405020304" pitchFamily="18" charset="0"/>
               </a:rPr>
-              <a:t>SECTION 3: RESULTS</a:t>
-            </a:r>
+              <a:t>SECTION 3: RESULTS </a:t>
+            </a:r>
+            <a:r>
+              <a:rPr lang="en-US" sz="1000" b="1" dirty="0">
+                <a:latin typeface="Times New Roman" panose="02020603050405020304" pitchFamily="18" charset="0"/>
+                <a:cs typeface="Times New Roman" panose="02020603050405020304" pitchFamily="18" charset="0"/>
+                <a:hlinkClick r:id="rId3" action="ppaction://hlinkfile"/>
+              </a:rPr>
+              <a:t>ML in Robotics 202510\Metric Eval2.png</a:t>
+            </a:r>
+            <a:endParaRPr lang="en-US" sz="1000" b="1" dirty="0">
+              <a:latin typeface="Times New Roman" panose="02020603050405020304" pitchFamily="18" charset="0"/>
+              <a:cs typeface="Times New Roman" panose="02020603050405020304" pitchFamily="18" charset="0"/>
+            </a:endParaRPr>
           </a:p>
         </p:txBody>
       </p:sp>
@@ -14412,7 +14659,7 @@
           <p:nvPr/>
         </p:nvPicPr>
         <p:blipFill>
-          <a:blip r:embed="rId3">
+          <a:blip r:embed="rId4">
             <a:extLst>
               <a:ext uri="{28A0092B-C50C-407E-A947-70E740481C1C}">
                 <a14:useLocalDpi xmlns:a14="http://schemas.microsoft.com/office/drawing/2010/main" val="0"/>
@@ -14426,8 +14673,8 @@
         </p:blipFill>
         <p:spPr bwMode="auto">
           <a:xfrm>
-            <a:off x="216131" y="1143000"/>
-            <a:ext cx="11438314" cy="4360025"/>
+            <a:off x="216131" y="1248954"/>
+            <a:ext cx="11438314" cy="4685332"/>
           </a:xfrm>
           <a:prstGeom prst="rect">
             <a:avLst/>
@@ -14444,41 +14691,6 @@
           </a:extLst>
         </p:spPr>
       </p:pic>
-      <p:sp>
-        <p:nvSpPr>
-          <p:cNvPr id="3" name="TextBox 2">
-            <a:extLst>
-              <a:ext uri="{FF2B5EF4-FFF2-40B4-BE49-F238E27FC236}">
-                <a16:creationId xmlns:a16="http://schemas.microsoft.com/office/drawing/2014/main" id="{84AD2AB7-7D39-436E-A03D-41B14EF2FA3A}"/>
-              </a:ext>
-            </a:extLst>
-          </p:cNvPr>
-          <p:cNvSpPr txBox="1"/>
-          <p:nvPr/>
-        </p:nvSpPr>
-        <p:spPr>
-          <a:xfrm>
-            <a:off x="1156652" y="896779"/>
-            <a:ext cx="9875520" cy="246221"/>
-          </a:xfrm>
-          <a:prstGeom prst="rect">
-            <a:avLst/>
-          </a:prstGeom>
-          <a:noFill/>
-        </p:spPr>
-        <p:txBody>
-          <a:bodyPr wrap="square" rtlCol="0">
-            <a:spAutoFit/>
-          </a:bodyPr>
-          <a:lstStyle/>
-          <a:p>
-            <a:r>
-              <a:rPr lang="en-US" sz="1000" dirty="0"/>
-              <a:t>https://colab.research.google.com/drive/12VdjSFE5eK1fUsKlF-G-qNppZZy0ad4O?authuser=1#scrollTo=0uDc8xoIQOTy&amp;line=80&amp;uniqifier=1</a:t>
-            </a:r>
-          </a:p>
-        </p:txBody>
-      </p:sp>
     </p:spTree>
     <p:extLst>
       <p:ext uri="{BB962C8B-B14F-4D97-AF65-F5344CB8AC3E}">

--- a/3D Gaussian_Splatting via Masking Dynamic Objects.pptx
+++ b/3D Gaussian_Splatting via Masking Dynamic Objects.pptx
@@ -219,7 +219,7 @@
           <a:p>
             <a:fld id="{8ABEC776-E625-468F-82D5-EE59A9E1DE49}" type="datetimeFigureOut">
               <a:rPr lang="en-US" smtClean="0"/>
-              <a:t>1/3/2026</a:t>
+              <a:t>1/5/2026</a:t>
             </a:fld>
             <a:endParaRPr lang="en-US"/>
           </a:p>
@@ -2369,7 +2369,7 @@
           <a:p>
             <a:fld id="{5BCAD085-E8A6-8845-BD4E-CB4CCA059FC4}" type="datetimeFigureOut">
               <a:rPr lang="en-US" smtClean="0"/>
-              <a:t>1/3/2026</a:t>
+              <a:t>1/5/2026</a:t>
             </a:fld>
             <a:endParaRPr lang="en-US"/>
           </a:p>
@@ -2644,7 +2644,7 @@
           <a:p>
             <a:fld id="{5BCAD085-E8A6-8845-BD4E-CB4CCA059FC4}" type="datetimeFigureOut">
               <a:rPr lang="en-US" smtClean="0"/>
-              <a:t>1/3/2026</a:t>
+              <a:t>1/5/2026</a:t>
             </a:fld>
             <a:endParaRPr lang="en-US"/>
           </a:p>
@@ -2838,7 +2838,7 @@
           <a:p>
             <a:fld id="{5BCAD085-E8A6-8845-BD4E-CB4CCA059FC4}" type="datetimeFigureOut">
               <a:rPr lang="en-US" smtClean="0"/>
-              <a:t>1/3/2026</a:t>
+              <a:t>1/5/2026</a:t>
             </a:fld>
             <a:endParaRPr lang="en-US"/>
           </a:p>
@@ -3111,7 +3111,7 @@
           <a:p>
             <a:fld id="{5BCAD085-E8A6-8845-BD4E-CB4CCA059FC4}" type="datetimeFigureOut">
               <a:rPr lang="en-US" smtClean="0"/>
-              <a:t>1/3/2026</a:t>
+              <a:t>1/5/2026</a:t>
             </a:fld>
             <a:endParaRPr lang="en-US"/>
           </a:p>
@@ -3452,7 +3452,7 @@
           <a:p>
             <a:fld id="{5BCAD085-E8A6-8845-BD4E-CB4CCA059FC4}" type="datetimeFigureOut">
               <a:rPr lang="en-US" smtClean="0"/>
-              <a:t>1/3/2026</a:t>
+              <a:t>1/5/2026</a:t>
             </a:fld>
             <a:endParaRPr lang="en-US"/>
           </a:p>
@@ -4075,7 +4075,7 @@
           <a:p>
             <a:fld id="{5BCAD085-E8A6-8845-BD4E-CB4CCA059FC4}" type="datetimeFigureOut">
               <a:rPr lang="en-US" smtClean="0"/>
-              <a:t>1/3/2026</a:t>
+              <a:t>1/5/2026</a:t>
             </a:fld>
             <a:endParaRPr lang="en-US"/>
           </a:p>
@@ -4935,7 +4935,7 @@
           <a:p>
             <a:fld id="{5BCAD085-E8A6-8845-BD4E-CB4CCA059FC4}" type="datetimeFigureOut">
               <a:rPr lang="en-US" smtClean="0"/>
-              <a:t>1/3/2026</a:t>
+              <a:t>1/5/2026</a:t>
             </a:fld>
             <a:endParaRPr lang="en-US"/>
           </a:p>
@@ -5105,7 +5105,7 @@
           <a:p>
             <a:fld id="{5BCAD085-E8A6-8845-BD4E-CB4CCA059FC4}" type="datetimeFigureOut">
               <a:rPr lang="en-US" smtClean="0"/>
-              <a:t>1/3/2026</a:t>
+              <a:t>1/5/2026</a:t>
             </a:fld>
             <a:endParaRPr lang="en-US"/>
           </a:p>
@@ -5285,7 +5285,7 @@
           <a:p>
             <a:fld id="{5BCAD085-E8A6-8845-BD4E-CB4CCA059FC4}" type="datetimeFigureOut">
               <a:rPr lang="en-US" smtClean="0"/>
-              <a:t>1/3/2026</a:t>
+              <a:t>1/5/2026</a:t>
             </a:fld>
             <a:endParaRPr lang="en-US"/>
           </a:p>
@@ -5455,7 +5455,7 @@
           <a:p>
             <a:fld id="{5BCAD085-E8A6-8845-BD4E-CB4CCA059FC4}" type="datetimeFigureOut">
               <a:rPr lang="en-US" smtClean="0"/>
-              <a:t>1/3/2026</a:t>
+              <a:t>1/5/2026</a:t>
             </a:fld>
             <a:endParaRPr lang="en-US"/>
           </a:p>
@@ -5702,7 +5702,7 @@
           <a:p>
             <a:fld id="{5BCAD085-E8A6-8845-BD4E-CB4CCA059FC4}" type="datetimeFigureOut">
               <a:rPr lang="en-US" smtClean="0"/>
-              <a:t>1/3/2026</a:t>
+              <a:t>1/5/2026</a:t>
             </a:fld>
             <a:endParaRPr lang="en-US"/>
           </a:p>
@@ -5994,7 +5994,7 @@
           <a:p>
             <a:fld id="{5BCAD085-E8A6-8845-BD4E-CB4CCA059FC4}" type="datetimeFigureOut">
               <a:rPr lang="en-US" smtClean="0"/>
-              <a:t>1/3/2026</a:t>
+              <a:t>1/5/2026</a:t>
             </a:fld>
             <a:endParaRPr lang="en-US"/>
           </a:p>
@@ -6438,7 +6438,7 @@
           <a:p>
             <a:fld id="{5BCAD085-E8A6-8845-BD4E-CB4CCA059FC4}" type="datetimeFigureOut">
               <a:rPr lang="en-US" smtClean="0"/>
-              <a:t>1/3/2026</a:t>
+              <a:t>1/5/2026</a:t>
             </a:fld>
             <a:endParaRPr lang="en-US"/>
           </a:p>
@@ -6556,7 +6556,7 @@
           <a:p>
             <a:fld id="{5BCAD085-E8A6-8845-BD4E-CB4CCA059FC4}" type="datetimeFigureOut">
               <a:rPr lang="en-US" smtClean="0"/>
-              <a:t>1/3/2026</a:t>
+              <a:t>1/5/2026</a:t>
             </a:fld>
             <a:endParaRPr lang="en-US"/>
           </a:p>
@@ -6651,7 +6651,7 @@
           <a:p>
             <a:fld id="{5BCAD085-E8A6-8845-BD4E-CB4CCA059FC4}" type="datetimeFigureOut">
               <a:rPr lang="en-US" smtClean="0"/>
-              <a:t>1/3/2026</a:t>
+              <a:t>1/5/2026</a:t>
             </a:fld>
             <a:endParaRPr lang="en-US"/>
           </a:p>
@@ -6930,7 +6930,7 @@
           <a:p>
             <a:fld id="{5BCAD085-E8A6-8845-BD4E-CB4CCA059FC4}" type="datetimeFigureOut">
               <a:rPr lang="en-US" smtClean="0"/>
-              <a:t>1/3/2026</a:t>
+              <a:t>1/5/2026</a:t>
             </a:fld>
             <a:endParaRPr lang="en-US"/>
           </a:p>
@@ -7205,7 +7205,7 @@
           <a:p>
             <a:fld id="{5BCAD085-E8A6-8845-BD4E-CB4CCA059FC4}" type="datetimeFigureOut">
               <a:rPr lang="en-US" smtClean="0"/>
-              <a:t>1/3/2026</a:t>
+              <a:t>1/5/2026</a:t>
             </a:fld>
             <a:endParaRPr lang="en-US"/>
           </a:p>
@@ -7634,7 +7634,7 @@
           <a:p>
             <a:fld id="{5BCAD085-E8A6-8845-BD4E-CB4CCA059FC4}" type="datetimeFigureOut">
               <a:rPr lang="en-US" smtClean="0"/>
-              <a:t>1/3/2026</a:t>
+              <a:t>1/5/2026</a:t>
             </a:fld>
             <a:endParaRPr lang="en-US"/>
           </a:p>
@@ -8528,41 +8528,6 @@
       </p:sp>
       <p:sp>
         <p:nvSpPr>
-          <p:cNvPr id="5" name="TextBox 4">
-            <a:extLst>
-              <a:ext uri="{FF2B5EF4-FFF2-40B4-BE49-F238E27FC236}">
-                <a16:creationId xmlns:a16="http://schemas.microsoft.com/office/drawing/2014/main" id="{C87D2ED0-19A6-4CB0-BDDD-E0D4F736669F}"/>
-              </a:ext>
-            </a:extLst>
-          </p:cNvPr>
-          <p:cNvSpPr txBox="1"/>
-          <p:nvPr/>
-        </p:nvSpPr>
-        <p:spPr>
-          <a:xfrm>
-            <a:off x="1410381" y="6410041"/>
-            <a:ext cx="4514850" cy="369332"/>
-          </a:xfrm>
-          <a:prstGeom prst="rect">
-            <a:avLst/>
-          </a:prstGeom>
-          <a:noFill/>
-        </p:spPr>
-        <p:txBody>
-          <a:bodyPr wrap="square" rtlCol="0">
-            <a:spAutoFit/>
-          </a:bodyPr>
-          <a:lstStyle/>
-          <a:p>
-            <a:r>
-              <a:rPr lang="en-US" dirty="0"/>
-              <a:t>Fig. 3.1A: Bar chart view per methods</a:t>
-            </a:r>
-          </a:p>
-        </p:txBody>
-      </p:sp>
-      <p:sp>
-        <p:nvSpPr>
           <p:cNvPr id="10" name="TextBox 9">
             <a:extLst>
               <a:ext uri="{FF2B5EF4-FFF2-40B4-BE49-F238E27FC236}">
@@ -8575,7 +8540,7 @@
         </p:nvSpPr>
         <p:spPr>
           <a:xfrm>
-            <a:off x="6263594" y="6336242"/>
+            <a:off x="1748744" y="6336242"/>
             <a:ext cx="4514850" cy="369332"/>
           </a:xfrm>
           <a:prstGeom prst="rect">
@@ -8589,9 +8554,10 @@
           </a:bodyPr>
           <a:lstStyle/>
           <a:p>
+            <a:pPr algn="ctr"/>
             <a:r>
               <a:rPr lang="en-US" dirty="0"/>
-              <a:t>Fig. 3.1B: Bar chart view per methods</a:t>
+              <a:t>Fig. 3.1: Eval chart view per methods</a:t>
             </a:r>
           </a:p>
         </p:txBody>
@@ -8634,167 +8600,34 @@
       </p:sp>
       <p:pic>
         <p:nvPicPr>
-          <p:cNvPr id="1026" name="Picture 2">
+          <p:cNvPr id="6" name="Picture 5">
             <a:extLst>
               <a:ext uri="{FF2B5EF4-FFF2-40B4-BE49-F238E27FC236}">
-                <a16:creationId xmlns:a16="http://schemas.microsoft.com/office/drawing/2014/main" id="{C4CC0EC2-8A99-4032-9FA9-DCE6B878C30F}"/>
+                <a16:creationId xmlns:a16="http://schemas.microsoft.com/office/drawing/2014/main" id="{8DEF8A8F-4103-4846-B075-B7C41FEDDC9D}"/>
               </a:ext>
             </a:extLst>
           </p:cNvPr>
           <p:cNvPicPr>
-            <a:picLocks noChangeAspect="1" noChangeArrowheads="1"/>
+            <a:picLocks noChangeAspect="1"/>
           </p:cNvPicPr>
           <p:nvPr/>
         </p:nvPicPr>
         <p:blipFill>
-          <a:blip r:embed="rId3">
-            <a:extLst>
-              <a:ext uri="{28A0092B-C50C-407E-A947-70E740481C1C}">
-                <a14:useLocalDpi xmlns:a14="http://schemas.microsoft.com/office/drawing/2010/main" val="0"/>
-              </a:ext>
-            </a:extLst>
-          </a:blip>
-          <a:srcRect/>
+          <a:blip r:embed="rId3"/>
           <a:stretch>
             <a:fillRect/>
           </a:stretch>
         </p:blipFill>
-        <p:spPr bwMode="auto">
+        <p:spPr>
           <a:xfrm>
-            <a:off x="681646" y="1477148"/>
-            <a:ext cx="5602777" cy="4932893"/>
+            <a:off x="685183" y="1130184"/>
+            <a:ext cx="10818459" cy="5206058"/>
           </a:xfrm>
           <a:prstGeom prst="rect">
             <a:avLst/>
           </a:prstGeom>
-          <a:noFill/>
-          <a:extLst>
-            <a:ext uri="{909E8E84-426E-40DD-AFC4-6F175D3DCCD1}">
-              <a14:hiddenFill xmlns:a14="http://schemas.microsoft.com/office/drawing/2010/main">
-                <a:solidFill>
-                  <a:srgbClr val="FFFFFF"/>
-                </a:solidFill>
-              </a14:hiddenFill>
-            </a:ext>
-          </a:extLst>
         </p:spPr>
       </p:pic>
-      <p:pic>
-        <p:nvPicPr>
-          <p:cNvPr id="1028" name="Picture 4">
-            <a:extLst>
-              <a:ext uri="{FF2B5EF4-FFF2-40B4-BE49-F238E27FC236}">
-                <a16:creationId xmlns:a16="http://schemas.microsoft.com/office/drawing/2014/main" id="{4C59FD9A-8017-49EA-A092-C0BF23D6F1EB}"/>
-              </a:ext>
-            </a:extLst>
-          </p:cNvPr>
-          <p:cNvPicPr>
-            <a:picLocks noChangeAspect="1" noChangeArrowheads="1"/>
-          </p:cNvPicPr>
-          <p:nvPr/>
-        </p:nvPicPr>
-        <p:blipFill>
-          <a:blip r:embed="rId4">
-            <a:extLst>
-              <a:ext uri="{28A0092B-C50C-407E-A947-70E740481C1C}">
-                <a14:useLocalDpi xmlns:a14="http://schemas.microsoft.com/office/drawing/2010/main" val="0"/>
-              </a:ext>
-            </a:extLst>
-          </a:blip>
-          <a:srcRect/>
-          <a:stretch>
-            <a:fillRect/>
-          </a:stretch>
-        </p:blipFill>
-        <p:spPr bwMode="auto">
-          <a:xfrm>
-            <a:off x="6586048" y="1403349"/>
-            <a:ext cx="5317777" cy="4932893"/>
-          </a:xfrm>
-          <a:prstGeom prst="rect">
-            <a:avLst/>
-          </a:prstGeom>
-          <a:noFill/>
-          <a:extLst>
-            <a:ext uri="{909E8E84-426E-40DD-AFC4-6F175D3DCCD1}">
-              <a14:hiddenFill xmlns:a14="http://schemas.microsoft.com/office/drawing/2010/main">
-                <a:solidFill>
-                  <a:srgbClr val="FFFFFF"/>
-                </a:solidFill>
-              </a14:hiddenFill>
-            </a:ext>
-          </a:extLst>
-        </p:spPr>
-      </p:pic>
-      <p:sp>
-        <p:nvSpPr>
-          <p:cNvPr id="4" name="TextBox 3">
-            <a:extLst>
-              <a:ext uri="{FF2B5EF4-FFF2-40B4-BE49-F238E27FC236}">
-                <a16:creationId xmlns:a16="http://schemas.microsoft.com/office/drawing/2014/main" id="{89D03277-DC43-4F45-95B6-73BECFC75B6C}"/>
-              </a:ext>
-            </a:extLst>
-          </p:cNvPr>
-          <p:cNvSpPr txBox="1"/>
-          <p:nvPr/>
-        </p:nvSpPr>
-        <p:spPr>
-          <a:xfrm>
-            <a:off x="7157259" y="1065170"/>
-            <a:ext cx="4239490" cy="369332"/>
-          </a:xfrm>
-          <a:prstGeom prst="rect">
-            <a:avLst/>
-          </a:prstGeom>
-          <a:solidFill>
-            <a:schemeClr val="accent1"/>
-          </a:solidFill>
-        </p:spPr>
-        <p:txBody>
-          <a:bodyPr wrap="square" rtlCol="0">
-            <a:spAutoFit/>
-          </a:bodyPr>
-          <a:lstStyle/>
-          <a:p>
-            <a:endParaRPr lang="en-US" dirty="0"/>
-          </a:p>
-        </p:txBody>
-      </p:sp>
-      <p:sp>
-        <p:nvSpPr>
-          <p:cNvPr id="8" name="TextBox 7">
-            <a:hlinkClick r:id="rId5" action="ppaction://hlinkfile"/>
-            <a:extLst>
-              <a:ext uri="{FF2B5EF4-FFF2-40B4-BE49-F238E27FC236}">
-                <a16:creationId xmlns:a16="http://schemas.microsoft.com/office/drawing/2014/main" id="{027B0885-333A-4DFC-BF4D-6FDAA2971FD3}"/>
-              </a:ext>
-            </a:extLst>
-          </p:cNvPr>
-          <p:cNvSpPr txBox="1"/>
-          <p:nvPr/>
-        </p:nvSpPr>
-        <p:spPr>
-          <a:xfrm>
-            <a:off x="581892" y="895830"/>
-            <a:ext cx="3325090" cy="538672"/>
-          </a:xfrm>
-          <a:prstGeom prst="rect">
-            <a:avLst/>
-          </a:prstGeom>
-          <a:solidFill>
-            <a:schemeClr val="accent1"/>
-          </a:solidFill>
-        </p:spPr>
-        <p:txBody>
-          <a:bodyPr wrap="square" rtlCol="0">
-            <a:spAutoFit/>
-          </a:bodyPr>
-          <a:lstStyle/>
-          <a:p>
-            <a:endParaRPr lang="en-US" dirty="0"/>
-          </a:p>
-        </p:txBody>
-      </p:sp>
     </p:spTree>
     <p:extLst>
       <p:ext uri="{BB962C8B-B14F-4D97-AF65-F5344CB8AC3E}">
@@ -9309,48 +9142,20 @@
                 <a:latin typeface="Times New Roman" panose="02020603050405020304" pitchFamily="18" charset="0"/>
                 <a:cs typeface="Times New Roman" panose="02020603050405020304" pitchFamily="18" charset="0"/>
               </a:rPr>
-              <a:t>Learn masks automatically </a:t>
-            </a:r>
-            <a:r>
-              <a:rPr lang="en-US" dirty="0" err="1">
-                <a:latin typeface="Times New Roman" panose="02020603050405020304" pitchFamily="18" charset="0"/>
-                <a:cs typeface="Times New Roman" panose="02020603050405020304" pitchFamily="18" charset="0"/>
-              </a:rPr>
-              <a:t>e.g</a:t>
-            </a:r>
+              <a:t>Learn masks automatically e.g. by using segmentation network to apply to real-world videos</a:t>
+            </a:r>
+          </a:p>
+          <a:p>
+            <a:pPr marL="285750" indent="-285750">
+              <a:buFont typeface="Arial" panose="020B0604020202020204" pitchFamily="34" charset="0"/>
+              <a:buChar char="•"/>
+            </a:pPr>
             <a:r>
               <a:rPr lang="en-US" dirty="0">
                 <a:latin typeface="Times New Roman" panose="02020603050405020304" pitchFamily="18" charset="0"/>
                 <a:cs typeface="Times New Roman" panose="02020603050405020304" pitchFamily="18" charset="0"/>
               </a:rPr>
-              <a:t> by using segmentation network to apply to real-world videos</a:t>
-            </a:r>
-          </a:p>
-          <a:p>
-            <a:pPr marL="285750" indent="-285750">
-              <a:buFont typeface="Arial" panose="020B0604020202020204" pitchFamily="34" charset="0"/>
-              <a:buChar char="•"/>
-            </a:pPr>
-            <a:r>
-              <a:rPr lang="en-US" dirty="0">
-                <a:latin typeface="Times New Roman" panose="02020603050405020304" pitchFamily="18" charset="0"/>
-                <a:cs typeface="Times New Roman" panose="02020603050405020304" pitchFamily="18" charset="0"/>
-              </a:rPr>
-              <a:t>Extend from static-scene robustness to full dynamic-scene modelling </a:t>
-            </a:r>
-            <a:r>
-              <a:rPr lang="en-US" dirty="0" err="1">
-                <a:latin typeface="Times New Roman" panose="02020603050405020304" pitchFamily="18" charset="0"/>
-                <a:cs typeface="Times New Roman" panose="02020603050405020304" pitchFamily="18" charset="0"/>
-              </a:rPr>
-              <a:t>e.g</a:t>
-            </a:r>
-            <a:r>
-              <a:rPr lang="en-US" dirty="0">
-                <a:latin typeface="Times New Roman" panose="02020603050405020304" pitchFamily="18" charset="0"/>
-                <a:cs typeface="Times New Roman" panose="02020603050405020304" pitchFamily="18" charset="0"/>
-              </a:rPr>
-              <a:t> by combining static 3DGS with 4D Gaussians</a:t>
+              <a:t>Extend from static-scene robustness to full dynamic-scene modelling e.g. by combining static 3DGS with 4D Gaussians</a:t>
             </a:r>
           </a:p>
           <a:p>
@@ -11081,7 +10886,7 @@
                 </a:r>
                 <a:r>
                   <a:rPr lang="en-US" sz="1600" dirty="0"/>
-                  <a:t>to avoid division by zero</a:t>
+                  <a:t>to avoid division by zero)</a:t>
                 </a:r>
               </a:p>
               <a:p>
@@ -11958,8 +11763,8 @@
             </p:nvSpPr>
             <p:spPr>
               <a:xfrm>
-                <a:off x="2123833" y="940151"/>
-                <a:ext cx="8024961" cy="5812873"/>
+                <a:off x="2443941" y="732613"/>
+                <a:ext cx="8429105" cy="5997732"/>
               </a:xfrm>
               <a:prstGeom prst="rect">
                 <a:avLst/>
@@ -11980,12 +11785,6 @@
                   </a:rPr>
                   <a:t>PSNR(PEAK SIGNAL-TO-NOISE RATIO</a:t>
                 </a:r>
-              </a:p>
-              <a:p>
-                <a:endParaRPr lang="en-US" dirty="0">
-                  <a:latin typeface="Times New Roman" panose="02020603050405020304" pitchFamily="18" charset="0"/>
-                  <a:cs typeface="Times New Roman" panose="02020603050405020304" pitchFamily="18" charset="0"/>
-                </a:endParaRPr>
               </a:p>
               <a:p>
                 <a:pPr marL="285750" indent="-285750" algn="ctr">
@@ -12182,30 +11981,10 @@
                     </m:r>
                   </m:oMath>
                 </a14:m>
-                <a:endParaRPr lang="en-US" dirty="0">
+                <a:endParaRPr lang="en-US" b="1" dirty="0">
                   <a:latin typeface="Times New Roman" panose="02020603050405020304" pitchFamily="18" charset="0"/>
                   <a:cs typeface="Times New Roman" panose="02020603050405020304" pitchFamily="18" charset="0"/>
                 </a:endParaRPr>
-              </a:p>
-              <a:p>
-                <a:pPr algn="ctr"/>
-                <a:endParaRPr lang="en-US" dirty="0">
-                  <a:latin typeface="Times New Roman" panose="02020603050405020304" pitchFamily="18" charset="0"/>
-                  <a:cs typeface="Times New Roman" panose="02020603050405020304" pitchFamily="18" charset="0"/>
-                </a:endParaRPr>
-              </a:p>
-              <a:p>
-                <a:pPr marL="285750" indent="-285750" algn="ctr">
-                  <a:buFont typeface="Arial" panose="020B0604020202020204" pitchFamily="34" charset="0"/>
-                  <a:buChar char="•"/>
-                </a:pPr>
-                <a:r>
-                  <a:rPr lang="en-US" b="1" dirty="0">
-                    <a:latin typeface="Times New Roman" panose="02020603050405020304" pitchFamily="18" charset="0"/>
-                    <a:cs typeface="Times New Roman" panose="02020603050405020304" pitchFamily="18" charset="0"/>
-                  </a:rPr>
-                  <a:t>Higher = better reconstruction</a:t>
-                </a:r>
               </a:p>
               <a:p>
                 <a:pPr algn="ctr"/>
@@ -12677,25 +12456,7 @@
                   </a:rPr>
                   <a:t>Measures luminance, contrast, structure</a:t>
                 </a:r>
-              </a:p>
-              <a:p>
-                <a:pPr marL="285750" indent="-285750" algn="ctr">
-                  <a:buFont typeface="Arial" panose="020B0604020202020204" pitchFamily="34" charset="0"/>
-                  <a:buChar char="•"/>
-                </a:pPr>
-                <a:r>
-                  <a:rPr lang="en-US" b="1" dirty="0">
-                    <a:latin typeface="Times New Roman" panose="02020603050405020304" pitchFamily="18" charset="0"/>
-                    <a:cs typeface="Times New Roman" panose="02020603050405020304" pitchFamily="18" charset="0"/>
-                  </a:rPr>
-                  <a:t>Higher = more accurate</a:t>
-                </a:r>
-              </a:p>
-              <a:p>
-                <a:pPr algn="ctr">
-                  <a:defRPr sz="2000" b="0"/>
-                </a:pPr>
-                <a:endParaRPr lang="en-US" dirty="0">
+                <a:endParaRPr lang="en-US" b="1" dirty="0">
                   <a:latin typeface="Times New Roman" panose="02020603050405020304" pitchFamily="18" charset="0"/>
                   <a:cs typeface="Times New Roman" panose="02020603050405020304" pitchFamily="18" charset="0"/>
                 </a:endParaRPr>
@@ -12704,7 +12465,7 @@
                 <a:pPr algn="ctr">
                   <a:defRPr sz="2000" b="0"/>
                 </a:pPr>
-                <a:endParaRPr lang="en-US" b="1" dirty="0">
+                <a:endParaRPr lang="en-US" dirty="0">
                   <a:latin typeface="Times New Roman" panose="02020603050405020304" pitchFamily="18" charset="0"/>
                   <a:cs typeface="Times New Roman" panose="02020603050405020304" pitchFamily="18" charset="0"/>
                 </a:endParaRPr>
@@ -13078,19 +12839,395 @@
                   </a:rPr>
                   <a:t>Feature-based perceptual similarity</a:t>
                 </a:r>
+                <a:endParaRPr lang="en-US" b="1" dirty="0">
+                  <a:latin typeface="Times New Roman" panose="02020603050405020304" pitchFamily="18" charset="0"/>
+                  <a:cs typeface="Times New Roman" panose="02020603050405020304" pitchFamily="18" charset="0"/>
+                </a:endParaRPr>
               </a:p>
               <a:p>
-                <a:pPr marL="285750" indent="-285750" algn="ctr">
-                  <a:buFont typeface="Arial" panose="020B0604020202020204" pitchFamily="34" charset="0"/>
-                  <a:buChar char="•"/>
-                </a:pPr>
+                <a:pPr algn="ctr"/>
+                <a:endParaRPr lang="en-US" b="1" dirty="0">
+                  <a:latin typeface="Times New Roman" panose="02020603050405020304" pitchFamily="18" charset="0"/>
+                  <a:cs typeface="Times New Roman" panose="02020603050405020304" pitchFamily="18" charset="0"/>
+                </a:endParaRPr>
+              </a:p>
+              <a:p>
+                <a:pPr algn="ctr"/>
                 <a:r>
                   <a:rPr lang="en-US" b="1" dirty="0">
                     <a:latin typeface="Times New Roman" panose="02020603050405020304" pitchFamily="18" charset="0"/>
                     <a:cs typeface="Times New Roman" panose="02020603050405020304" pitchFamily="18" charset="0"/>
                   </a:rPr>
-                  <a:t>Lower = more perceptually similar</a:t>
+                  <a:t>L1 STATIC </a:t>
                 </a:r>
+              </a:p>
+              <a:p>
+                <a:pPr/>
+                <a14:m>
+                  <m:oMathPara xmlns:m="http://schemas.openxmlformats.org/officeDocument/2006/math">
+                    <m:oMathParaPr>
+                      <m:jc m:val="centerGroup"/>
+                    </m:oMathParaPr>
+                    <m:oMath xmlns:m="http://schemas.openxmlformats.org/officeDocument/2006/math">
+                      <m:r>
+                        <a:rPr lang="en-US" i="1">
+                          <a:latin typeface="Cambria Math" panose="02040503050406030204" pitchFamily="18" charset="0"/>
+                        </a:rPr>
+                        <m:t>𝐿</m:t>
+                      </m:r>
+                      <m:r>
+                        <a:rPr lang="en-US" i="1">
+                          <a:latin typeface="Cambria Math" panose="02040503050406030204" pitchFamily="18" charset="0"/>
+                        </a:rPr>
+                        <m:t>=</m:t>
+                      </m:r>
+                      <m:sSub>
+                        <m:sSubPr>
+                          <m:ctrlPr>
+                            <a:rPr lang="en-US" i="1">
+                              <a:latin typeface="Cambria Math" panose="02040503050406030204" pitchFamily="18" charset="0"/>
+                            </a:rPr>
+                          </m:ctrlPr>
+                        </m:sSubPr>
+                        <m:e>
+                          <m:r>
+                            <m:rPr>
+                              <m:sty m:val="p"/>
+                            </m:rPr>
+                            <a:rPr lang="en-US">
+                              <a:latin typeface="Cambria Math" panose="02040503050406030204" pitchFamily="18" charset="0"/>
+                            </a:rPr>
+                            <m:t>λ</m:t>
+                          </m:r>
+                        </m:e>
+                        <m:sub>
+                          <m:r>
+                            <a:rPr lang="en-US" i="1">
+                              <a:latin typeface="Cambria Math" panose="02040503050406030204" pitchFamily="18" charset="0"/>
+                            </a:rPr>
+                            <m:t>𝐿</m:t>
+                          </m:r>
+                          <m:r>
+                            <a:rPr lang="en-US" i="1">
+                              <a:latin typeface="Cambria Math" panose="02040503050406030204" pitchFamily="18" charset="0"/>
+                            </a:rPr>
+                            <m:t>1</m:t>
+                          </m:r>
+                        </m:sub>
+                      </m:sSub>
+                      <m:r>
+                        <a:rPr lang="en-US" i="1">
+                          <a:latin typeface="Cambria Math" panose="02040503050406030204" pitchFamily="18" charset="0"/>
+                        </a:rPr>
+                        <m:t>.</m:t>
+                      </m:r>
+                      <m:sSub>
+                        <m:sSubPr>
+                          <m:ctrlPr>
+                            <a:rPr lang="en-US" i="1">
+                              <a:latin typeface="Cambria Math" panose="02040503050406030204" pitchFamily="18" charset="0"/>
+                            </a:rPr>
+                          </m:ctrlPr>
+                        </m:sSubPr>
+                        <m:e>
+                          <m:r>
+                            <a:rPr lang="en-US" i="1">
+                              <a:latin typeface="Cambria Math" panose="02040503050406030204" pitchFamily="18" charset="0"/>
+                            </a:rPr>
+                            <m:t>𝐿</m:t>
+                          </m:r>
+                        </m:e>
+                        <m:sub>
+                          <m:r>
+                            <a:rPr lang="en-US" i="1">
+                              <a:latin typeface="Cambria Math" panose="02040503050406030204" pitchFamily="18" charset="0"/>
+                            </a:rPr>
+                            <m:t>𝐿</m:t>
+                          </m:r>
+                          <m:r>
+                            <a:rPr lang="en-US" i="1">
+                              <a:latin typeface="Cambria Math" panose="02040503050406030204" pitchFamily="18" charset="0"/>
+                            </a:rPr>
+                            <m:t>1</m:t>
+                          </m:r>
+                        </m:sub>
+                      </m:sSub>
+                      <m:r>
+                        <a:rPr lang="en-US" i="1">
+                          <a:latin typeface="Cambria Math" panose="02040503050406030204" pitchFamily="18" charset="0"/>
+                        </a:rPr>
+                        <m:t> + </m:t>
+                      </m:r>
+                      <m:sSub>
+                        <m:sSubPr>
+                          <m:ctrlPr>
+                            <a:rPr lang="en-US" i="1">
+                              <a:latin typeface="Cambria Math" panose="02040503050406030204" pitchFamily="18" charset="0"/>
+                            </a:rPr>
+                          </m:ctrlPr>
+                        </m:sSubPr>
+                        <m:e>
+                          <m:r>
+                            <m:rPr>
+                              <m:sty m:val="p"/>
+                            </m:rPr>
+                            <a:rPr lang="en-US">
+                              <a:latin typeface="Cambria Math" panose="02040503050406030204" pitchFamily="18" charset="0"/>
+                            </a:rPr>
+                            <m:t>λ</m:t>
+                          </m:r>
+                        </m:e>
+                        <m:sub>
+                          <m:r>
+                            <a:rPr lang="en-US" i="1">
+                              <a:latin typeface="Cambria Math" panose="02040503050406030204" pitchFamily="18" charset="0"/>
+                            </a:rPr>
+                            <m:t>𝑆𝑆𝐼𝑀</m:t>
+                          </m:r>
+                        </m:sub>
+                      </m:sSub>
+                      <m:r>
+                        <a:rPr lang="en-US" i="1">
+                          <a:latin typeface="Cambria Math" panose="02040503050406030204" pitchFamily="18" charset="0"/>
+                        </a:rPr>
+                        <m:t>.</m:t>
+                      </m:r>
+                      <m:sSub>
+                        <m:sSubPr>
+                          <m:ctrlPr>
+                            <a:rPr lang="en-US" i="1">
+                              <a:latin typeface="Cambria Math" panose="02040503050406030204" pitchFamily="18" charset="0"/>
+                            </a:rPr>
+                          </m:ctrlPr>
+                        </m:sSubPr>
+                        <m:e>
+                          <m:r>
+                            <a:rPr lang="en-US" i="1">
+                              <a:latin typeface="Cambria Math" panose="02040503050406030204" pitchFamily="18" charset="0"/>
+                            </a:rPr>
+                            <m:t>𝐿</m:t>
+                          </m:r>
+                        </m:e>
+                        <m:sub>
+                          <m:r>
+                            <a:rPr lang="en-US" i="1">
+                              <a:latin typeface="Cambria Math" panose="02040503050406030204" pitchFamily="18" charset="0"/>
+                            </a:rPr>
+                            <m:t>𝑆𝑆𝐼𝑀</m:t>
+                          </m:r>
+                        </m:sub>
+                      </m:sSub>
+                    </m:oMath>
+                  </m:oMathPara>
+                </a14:m>
+                <a:endParaRPr lang="en-US" dirty="0"/>
+              </a:p>
+              <a:p>
+                <a:pPr algn="ctr"/>
+                <a14:m>
+                  <m:oMathPara xmlns:m="http://schemas.openxmlformats.org/officeDocument/2006/math">
+                    <m:oMathParaPr>
+                      <m:jc m:val="centerGroup"/>
+                    </m:oMathParaPr>
+                    <m:oMath xmlns:m="http://schemas.openxmlformats.org/officeDocument/2006/math">
+                      <m:sSub>
+                        <m:sSubPr>
+                          <m:ctrlPr>
+                            <a:rPr lang="en-US" i="1">
+                              <a:latin typeface="Cambria Math" panose="02040503050406030204" pitchFamily="18" charset="0"/>
+                            </a:rPr>
+                          </m:ctrlPr>
+                        </m:sSubPr>
+                        <m:e>
+                          <m:r>
+                            <a:rPr lang="en-US" i="1">
+                              <a:latin typeface="Cambria Math" panose="02040503050406030204" pitchFamily="18" charset="0"/>
+                            </a:rPr>
+                            <m:t>𝐿</m:t>
+                          </m:r>
+                        </m:e>
+                        <m:sub>
+                          <m:r>
+                            <a:rPr lang="en-US" i="1">
+                              <a:latin typeface="Cambria Math" panose="02040503050406030204" pitchFamily="18" charset="0"/>
+                            </a:rPr>
+                            <m:t>𝐿</m:t>
+                          </m:r>
+                          <m:r>
+                            <a:rPr lang="en-US" i="1">
+                              <a:latin typeface="Cambria Math" panose="02040503050406030204" pitchFamily="18" charset="0"/>
+                            </a:rPr>
+                            <m:t>1</m:t>
+                          </m:r>
+                        </m:sub>
+                      </m:sSub>
+                      <m:r>
+                        <a:rPr lang="en-US" i="1">
+                          <a:latin typeface="Cambria Math" panose="02040503050406030204" pitchFamily="18" charset="0"/>
+                        </a:rPr>
+                        <m:t> = </m:t>
+                      </m:r>
+                      <m:f>
+                        <m:fPr>
+                          <m:ctrlPr>
+                            <a:rPr lang="en-US" i="1">
+                              <a:latin typeface="Cambria Math" panose="02040503050406030204" pitchFamily="18" charset="0"/>
+                            </a:rPr>
+                          </m:ctrlPr>
+                        </m:fPr>
+                        <m:num>
+                          <m:r>
+                            <a:rPr lang="en-US" i="1">
+                              <a:latin typeface="Cambria Math" panose="02040503050406030204" pitchFamily="18" charset="0"/>
+                            </a:rPr>
+                            <m:t>1</m:t>
+                          </m:r>
+                        </m:num>
+                        <m:den>
+                          <m:r>
+                            <a:rPr lang="en-US" i="1">
+                              <a:latin typeface="Cambria Math" panose="02040503050406030204" pitchFamily="18" charset="0"/>
+                            </a:rPr>
+                            <m:t>𝑁</m:t>
+                          </m:r>
+                        </m:den>
+                      </m:f>
+                      <m:nary>
+                        <m:naryPr>
+                          <m:chr m:val="∑"/>
+                          <m:limLoc m:val="undOvr"/>
+                          <m:ctrlPr>
+                            <a:rPr lang="en-US" i="1">
+                              <a:latin typeface="Cambria Math" panose="02040503050406030204" pitchFamily="18" charset="0"/>
+                            </a:rPr>
+                          </m:ctrlPr>
+                        </m:naryPr>
+                        <m:sub>
+                          <m:r>
+                            <a:rPr lang="en-US" i="1">
+                              <a:latin typeface="Cambria Math" panose="02040503050406030204" pitchFamily="18" charset="0"/>
+                            </a:rPr>
+                            <m:t>𝑖</m:t>
+                          </m:r>
+                          <m:r>
+                            <a:rPr lang="en-US" i="1">
+                              <a:latin typeface="Cambria Math" panose="02040503050406030204" pitchFamily="18" charset="0"/>
+                            </a:rPr>
+                            <m:t>=</m:t>
+                          </m:r>
+                          <m:r>
+                            <a:rPr lang="en-US" i="1">
+                              <a:latin typeface="Cambria Math" panose="02040503050406030204" pitchFamily="18" charset="0"/>
+                            </a:rPr>
+                            <m:t>1</m:t>
+                          </m:r>
+                        </m:sub>
+                        <m:sup>
+                          <m:r>
+                            <a:rPr lang="en-US" i="1">
+                              <a:latin typeface="Cambria Math" panose="02040503050406030204" pitchFamily="18" charset="0"/>
+                            </a:rPr>
+                            <m:t>𝑁</m:t>
+                          </m:r>
+                        </m:sup>
+                        <m:e>
+                          <m:r>
+                            <a:rPr lang="en-US" i="1">
+                              <a:latin typeface="Cambria Math" panose="02040503050406030204" pitchFamily="18" charset="0"/>
+                            </a:rPr>
+                            <m:t>|</m:t>
+                          </m:r>
+                          <m:sSubSup>
+                            <m:sSubSupPr>
+                              <m:ctrlPr>
+                                <a:rPr lang="en-US" i="1">
+                                  <a:latin typeface="Cambria Math" panose="02040503050406030204" pitchFamily="18" charset="0"/>
+                                </a:rPr>
+                              </m:ctrlPr>
+                            </m:sSubSupPr>
+                            <m:e>
+                              <m:r>
+                                <a:rPr lang="en-US" i="1">
+                                  <a:latin typeface="Cambria Math" panose="02040503050406030204" pitchFamily="18" charset="0"/>
+                                </a:rPr>
+                                <m:t>𝐼</m:t>
+                              </m:r>
+                            </m:e>
+                            <m:sub>
+                              <m:r>
+                                <a:rPr lang="en-US" i="1">
+                                  <a:latin typeface="Cambria Math" panose="02040503050406030204" pitchFamily="18" charset="0"/>
+                                </a:rPr>
+                                <m:t>𝑟𝑒𝑛𝑒𝑟</m:t>
+                              </m:r>
+                            </m:sub>
+                            <m:sup>
+                              <m:r>
+                                <a:rPr lang="en-US" i="1">
+                                  <a:latin typeface="Cambria Math" panose="02040503050406030204" pitchFamily="18" charset="0"/>
+                                </a:rPr>
+                                <m:t>𝑖</m:t>
+                              </m:r>
+                            </m:sup>
+                          </m:sSubSup>
+                          <m:r>
+                            <a:rPr lang="en-US" i="1">
+                              <a:latin typeface="Cambria Math" panose="02040503050406030204" pitchFamily="18" charset="0"/>
+                            </a:rPr>
+                            <m:t> − </m:t>
+                          </m:r>
+                          <m:sSubSup>
+                            <m:sSubSupPr>
+                              <m:ctrlPr>
+                                <a:rPr lang="en-US" i="1">
+                                  <a:latin typeface="Cambria Math" panose="02040503050406030204" pitchFamily="18" charset="0"/>
+                                </a:rPr>
+                              </m:ctrlPr>
+                            </m:sSubSupPr>
+                            <m:e>
+                              <m:r>
+                                <a:rPr lang="en-US" i="1">
+                                  <a:latin typeface="Cambria Math" panose="02040503050406030204" pitchFamily="18" charset="0"/>
+                                </a:rPr>
+                                <m:t>𝐼</m:t>
+                              </m:r>
+                            </m:e>
+                            <m:sub>
+                              <m:r>
+                                <a:rPr lang="en-US" i="1">
+                                  <a:latin typeface="Cambria Math" panose="02040503050406030204" pitchFamily="18" charset="0"/>
+                                </a:rPr>
+                                <m:t>𝑔𝑡</m:t>
+                              </m:r>
+                            </m:sub>
+                            <m:sup>
+                              <m:r>
+                                <a:rPr lang="en-US" i="1">
+                                  <a:latin typeface="Cambria Math" panose="02040503050406030204" pitchFamily="18" charset="0"/>
+                                </a:rPr>
+                                <m:t>𝑖</m:t>
+                              </m:r>
+                            </m:sup>
+                          </m:sSubSup>
+                          <m:r>
+                            <a:rPr lang="en-US" i="1">
+                              <a:latin typeface="Cambria Math" panose="02040503050406030204" pitchFamily="18" charset="0"/>
+                            </a:rPr>
+                            <m:t>|</m:t>
+                          </m:r>
+                        </m:e>
+                      </m:nary>
+                    </m:oMath>
+                  </m:oMathPara>
+                </a14:m>
+                <a:endParaRPr lang="en-US" dirty="0"/>
+              </a:p>
+              <a:p>
+                <a:pPr algn="ctr"/>
+                <a:endParaRPr lang="en-US" b="1" dirty="0">
+                  <a:latin typeface="Times New Roman" panose="02020603050405020304" pitchFamily="18" charset="0"/>
+                  <a:cs typeface="Times New Roman" panose="02020603050405020304" pitchFamily="18" charset="0"/>
+                </a:endParaRPr>
               </a:p>
               <a:p>
                 <a:endParaRPr dirty="0">
@@ -13112,8 +13249,8 @@
             </p:nvSpPr>
             <p:spPr>
               <a:xfrm>
-                <a:off x="2123833" y="940151"/>
-                <a:ext cx="8024961" cy="5812873"/>
+                <a:off x="2443941" y="732613"/>
+                <a:ext cx="8429105" cy="5997732"/>
               </a:xfrm>
               <a:prstGeom prst="rect">
                 <a:avLst/>
@@ -13121,7 +13258,7 @@
               <a:blipFill>
                 <a:blip r:embed="rId3"/>
                 <a:stretch>
-                  <a:fillRect t="-524"/>
+                  <a:fillRect t="-508"/>
                 </a:stretch>
               </a:blipFill>
             </p:spPr>
@@ -13190,7 +13327,7 @@
         </p:nvSpPr>
         <p:spPr>
           <a:xfrm>
-            <a:off x="345039" y="1932342"/>
+            <a:off x="665147" y="1065871"/>
             <a:ext cx="3557587" cy="646331"/>
           </a:xfrm>
           <a:prstGeom prst="rect">
@@ -13244,7 +13381,7 @@
         </p:nvSpPr>
         <p:spPr>
           <a:xfrm>
-            <a:off x="8854525" y="2479084"/>
+            <a:off x="8854525" y="2236975"/>
             <a:ext cx="3334300" cy="1600438"/>
           </a:xfrm>
           <a:prstGeom prst="rect">
@@ -13368,8 +13505,8 @@
             </p:nvSpPr>
             <p:spPr>
               <a:xfrm>
-                <a:off x="261237" y="4113223"/>
-                <a:ext cx="3334300" cy="1388329"/>
+                <a:off x="275493" y="3731479"/>
+                <a:ext cx="2714719" cy="1749197"/>
               </a:xfrm>
               <a:prstGeom prst="rect">
                 <a:avLst/>
@@ -14010,8 +14147,8 @@
             </p:nvSpPr>
             <p:spPr>
               <a:xfrm>
-                <a:off x="261237" y="4113223"/>
-                <a:ext cx="3334300" cy="1388329"/>
+                <a:off x="275493" y="3731479"/>
+                <a:ext cx="2714719" cy="1749197"/>
               </a:xfrm>
               <a:prstGeom prst="rect">
                 <a:avLst/>
@@ -14019,7 +14156,632 @@
               <a:blipFill>
                 <a:blip r:embed="rId4"/>
                 <a:stretch>
-                  <a:fillRect l="-183" t="-441" r="-58684"/>
+                  <a:fillRect r="-94843"/>
+                </a:stretch>
+              </a:blipFill>
+            </p:spPr>
+            <p:txBody>
+              <a:bodyPr/>
+              <a:lstStyle/>
+              <a:p>
+                <a:r>
+                  <a:rPr lang="en-US">
+                    <a:noFill/>
+                  </a:rPr>
+                  <a:t> </a:t>
+                </a:r>
+              </a:p>
+            </p:txBody>
+          </p:sp>
+        </mc:Fallback>
+      </mc:AlternateContent>
+      <mc:AlternateContent xmlns:mc="http://schemas.openxmlformats.org/markup-compatibility/2006" xmlns:a14="http://schemas.microsoft.com/office/drawing/2010/main">
+        <mc:Choice Requires="a14">
+          <p:sp>
+            <p:nvSpPr>
+              <p:cNvPr id="2" name="TextBox 1">
+                <a:extLst>
+                  <a:ext uri="{FF2B5EF4-FFF2-40B4-BE49-F238E27FC236}">
+                    <a16:creationId xmlns:a16="http://schemas.microsoft.com/office/drawing/2014/main" id="{8325AD7D-6CC8-44BC-B90C-05F7FD6D9A61}"/>
+                  </a:ext>
+                </a:extLst>
+              </p:cNvPr>
+              <p:cNvSpPr txBox="1"/>
+              <p:nvPr/>
+            </p:nvSpPr>
+            <p:spPr>
+              <a:xfrm>
+                <a:off x="8810075" y="5005668"/>
+                <a:ext cx="3334300" cy="1461106"/>
+              </a:xfrm>
+              <a:prstGeom prst="rect">
+                <a:avLst/>
+              </a:prstGeom>
+              <a:noFill/>
+            </p:spPr>
+            <p:txBody>
+              <a:bodyPr wrap="square" rtlCol="0">
+                <a:spAutoFit/>
+              </a:bodyPr>
+              <a:lstStyle/>
+              <a:p>
+                <a:r>
+                  <a:rPr lang="en-US" sz="1200"/>
+                  <a:t>Where:</a:t>
+                </a:r>
+              </a:p>
+              <a:p>
+                <a:r>
+                  <a:rPr lang="en-US" sz="1200"/>
+                  <a:t>L=total loss</a:t>
+                </a:r>
+              </a:p>
+              <a:p>
+                <a:pPr/>
+                <a14:m>
+                  <m:oMathPara xmlns:m="http://schemas.openxmlformats.org/officeDocument/2006/math">
+                    <m:oMathParaPr>
+                      <m:jc m:val="centerGroup"/>
+                    </m:oMathParaPr>
+                    <m:oMath xmlns:m="http://schemas.openxmlformats.org/officeDocument/2006/math">
+                      <m:sSub>
+                        <m:sSubPr>
+                          <m:ctrlPr>
+                            <a:rPr lang="en-US" sz="1200" i="1">
+                              <a:latin typeface="Cambria Math" panose="02040503050406030204" pitchFamily="18" charset="0"/>
+                            </a:rPr>
+                          </m:ctrlPr>
+                        </m:sSubPr>
+                        <m:e>
+                          <m:r>
+                            <m:rPr>
+                              <m:sty m:val="p"/>
+                            </m:rPr>
+                            <a:rPr lang="en-US" sz="1200">
+                              <a:latin typeface="Cambria Math" panose="02040503050406030204" pitchFamily="18" charset="0"/>
+                            </a:rPr>
+                            <m:t>λ</m:t>
+                          </m:r>
+                        </m:e>
+                        <m:sub>
+                          <m:r>
+                            <a:rPr lang="en-US" sz="1200" i="1">
+                              <a:latin typeface="Cambria Math" panose="02040503050406030204" pitchFamily="18" charset="0"/>
+                            </a:rPr>
+                            <m:t>𝐿</m:t>
+                          </m:r>
+                          <m:r>
+                            <a:rPr lang="en-US" sz="1200" i="1">
+                              <a:latin typeface="Cambria Math" panose="02040503050406030204" pitchFamily="18" charset="0"/>
+                            </a:rPr>
+                            <m:t>1</m:t>
+                          </m:r>
+                        </m:sub>
+                      </m:sSub>
+                      <m:r>
+                        <a:rPr lang="en-US" sz="1200" i="1">
+                          <a:latin typeface="Cambria Math" panose="02040503050406030204" pitchFamily="18" charset="0"/>
+                        </a:rPr>
+                        <m:t> = </m:t>
+                      </m:r>
+                      <m:r>
+                        <m:rPr>
+                          <m:sty m:val="p"/>
+                        </m:rPr>
+                        <a:rPr lang="en-US" sz="1200">
+                          <a:latin typeface="Cambria Math" panose="02040503050406030204" pitchFamily="18" charset="0"/>
+                        </a:rPr>
+                        <m:t>L</m:t>
+                      </m:r>
+                      <m:r>
+                        <a:rPr lang="en-US" sz="1200">
+                          <a:latin typeface="Cambria Math" panose="02040503050406030204" pitchFamily="18" charset="0"/>
+                        </a:rPr>
+                        <m:t>1</m:t>
+                      </m:r>
+                      <m:r>
+                        <a:rPr lang="en-US" sz="1200">
+                          <a:latin typeface="Cambria Math" panose="02040503050406030204" pitchFamily="18" charset="0"/>
+                        </a:rPr>
+                        <m:t> </m:t>
+                      </m:r>
+                      <m:r>
+                        <m:rPr>
+                          <m:sty m:val="p"/>
+                        </m:rPr>
+                        <a:rPr lang="en-US" sz="1200">
+                          <a:latin typeface="Cambria Math" panose="02040503050406030204" pitchFamily="18" charset="0"/>
+                        </a:rPr>
+                        <m:t>loss</m:t>
+                      </m:r>
+                      <m:r>
+                        <a:rPr lang="en-US" sz="1200">
+                          <a:latin typeface="Cambria Math" panose="02040503050406030204" pitchFamily="18" charset="0"/>
+                        </a:rPr>
+                        <m:t> </m:t>
+                      </m:r>
+                      <m:r>
+                        <m:rPr>
+                          <m:sty m:val="p"/>
+                        </m:rPr>
+                        <a:rPr lang="en-US" sz="1200">
+                          <a:latin typeface="Cambria Math" panose="02040503050406030204" pitchFamily="18" charset="0"/>
+                        </a:rPr>
+                        <m:t>weight</m:t>
+                      </m:r>
+                    </m:oMath>
+                  </m:oMathPara>
+                </a14:m>
+                <a:endParaRPr lang="en-US" sz="1200"/>
+              </a:p>
+              <a:p>
+                <a14:m>
+                  <m:oMath xmlns:m="http://schemas.openxmlformats.org/officeDocument/2006/math">
+                    <m:sSub>
+                      <m:sSubPr>
+                        <m:ctrlPr>
+                          <a:rPr lang="en-US" sz="1200" i="1">
+                            <a:latin typeface="Cambria Math" panose="02040503050406030204" pitchFamily="18" charset="0"/>
+                          </a:rPr>
+                        </m:ctrlPr>
+                      </m:sSubPr>
+                      <m:e>
+                        <m:r>
+                          <a:rPr lang="en-US" sz="1200" i="1">
+                            <a:latin typeface="Cambria Math" panose="02040503050406030204" pitchFamily="18" charset="0"/>
+                          </a:rPr>
+                          <m:t>𝐿</m:t>
+                        </m:r>
+                      </m:e>
+                      <m:sub>
+                        <m:r>
+                          <a:rPr lang="en-US" sz="1200" i="1">
+                            <a:latin typeface="Cambria Math" panose="02040503050406030204" pitchFamily="18" charset="0"/>
+                          </a:rPr>
+                          <m:t>𝐿</m:t>
+                        </m:r>
+                        <m:r>
+                          <a:rPr lang="en-US" sz="1200" i="1">
+                            <a:latin typeface="Cambria Math" panose="02040503050406030204" pitchFamily="18" charset="0"/>
+                          </a:rPr>
+                          <m:t>1</m:t>
+                        </m:r>
+                      </m:sub>
+                    </m:sSub>
+                    <m:r>
+                      <a:rPr lang="en-US" sz="1200" i="1">
+                        <a:latin typeface="Cambria Math" panose="02040503050406030204" pitchFamily="18" charset="0"/>
+                      </a:rPr>
+                      <m:t> = </m:t>
+                    </m:r>
+                    <m:r>
+                      <a:rPr lang="en-US" sz="1200" i="1">
+                        <a:latin typeface="Cambria Math" panose="02040503050406030204" pitchFamily="18" charset="0"/>
+                      </a:rPr>
+                      <m:t>𝐿</m:t>
+                    </m:r>
+                    <m:r>
+                      <a:rPr lang="en-US" sz="1200" i="1">
+                        <a:latin typeface="Cambria Math" panose="02040503050406030204" pitchFamily="18" charset="0"/>
+                      </a:rPr>
+                      <m:t>1</m:t>
+                    </m:r>
+                    <m:r>
+                      <a:rPr lang="en-US" sz="1200" i="1">
+                        <a:latin typeface="Cambria Math" panose="02040503050406030204" pitchFamily="18" charset="0"/>
+                      </a:rPr>
+                      <m:t> </m:t>
+                    </m:r>
+                    <m:r>
+                      <a:rPr lang="en-US" sz="1200" i="1">
+                        <a:latin typeface="Cambria Math" panose="02040503050406030204" pitchFamily="18" charset="0"/>
+                      </a:rPr>
+                      <m:t>𝑝</m:t>
+                    </m:r>
+                    <m:r>
+                      <a:rPr lang="en-US" sz="1200" i="1">
+                        <a:latin typeface="Cambria Math" panose="02040503050406030204" pitchFamily="18" charset="0"/>
+                      </a:rPr>
+                      <m:t>h</m:t>
+                    </m:r>
+                    <m:r>
+                      <a:rPr lang="en-US" sz="1200" i="1">
+                        <a:latin typeface="Cambria Math" panose="02040503050406030204" pitchFamily="18" charset="0"/>
+                      </a:rPr>
+                      <m:t>𝑜𝑡𝑜𝑚𝑒𝑡𝑟𝑖𝑐</m:t>
+                    </m:r>
+                    <m:r>
+                      <a:rPr lang="en-US" sz="1200" i="1">
+                        <a:latin typeface="Cambria Math" panose="02040503050406030204" pitchFamily="18" charset="0"/>
+                      </a:rPr>
+                      <m:t> </m:t>
+                    </m:r>
+                    <m:r>
+                      <a:rPr lang="en-US" sz="1200" i="1">
+                        <a:latin typeface="Cambria Math" panose="02040503050406030204" pitchFamily="18" charset="0"/>
+                      </a:rPr>
+                      <m:t>𝑙𝑜𝑠</m:t>
+                    </m:r>
+                  </m:oMath>
+                </a14:m>
+                <a:r>
+                  <a:rPr lang="en-US" sz="1200"/>
+                  <a:t> and </a:t>
+                </a:r>
+                <a14:m>
+                  <m:oMath xmlns:m="http://schemas.openxmlformats.org/officeDocument/2006/math">
+                    <m:sSub>
+                      <m:sSubPr>
+                        <m:ctrlPr>
+                          <a:rPr lang="en-US" sz="1200" i="1">
+                            <a:latin typeface="Cambria Math" panose="02040503050406030204" pitchFamily="18" charset="0"/>
+                          </a:rPr>
+                        </m:ctrlPr>
+                      </m:sSubPr>
+                      <m:e>
+                        <m:r>
+                          <a:rPr lang="en-US" sz="1200" i="1">
+                            <a:latin typeface="Cambria Math" panose="02040503050406030204" pitchFamily="18" charset="0"/>
+                          </a:rPr>
+                          <m:t>𝐿</m:t>
+                        </m:r>
+                      </m:e>
+                      <m:sub>
+                        <m:r>
+                          <a:rPr lang="en-US" sz="1200" i="1">
+                            <a:latin typeface="Cambria Math" panose="02040503050406030204" pitchFamily="18" charset="0"/>
+                          </a:rPr>
+                          <m:t>𝐿</m:t>
+                        </m:r>
+                        <m:r>
+                          <a:rPr lang="en-US" sz="1200" i="1">
+                            <a:latin typeface="Cambria Math" panose="02040503050406030204" pitchFamily="18" charset="0"/>
+                          </a:rPr>
+                          <m:t>1</m:t>
+                        </m:r>
+                      </m:sub>
+                    </m:sSub>
+                    <m:r>
+                      <a:rPr lang="en-US" sz="1200" i="1">
+                        <a:latin typeface="Cambria Math" panose="02040503050406030204" pitchFamily="18" charset="0"/>
+                      </a:rPr>
+                      <m:t> = </m:t>
+                    </m:r>
+                    <m:f>
+                      <m:fPr>
+                        <m:ctrlPr>
+                          <a:rPr lang="en-US" sz="1200" i="1">
+                            <a:latin typeface="Cambria Math" panose="02040503050406030204" pitchFamily="18" charset="0"/>
+                          </a:rPr>
+                        </m:ctrlPr>
+                      </m:fPr>
+                      <m:num>
+                        <m:r>
+                          <a:rPr lang="en-US" sz="1200" i="1">
+                            <a:latin typeface="Cambria Math" panose="02040503050406030204" pitchFamily="18" charset="0"/>
+                          </a:rPr>
+                          <m:t>1</m:t>
+                        </m:r>
+                      </m:num>
+                      <m:den>
+                        <m:r>
+                          <a:rPr lang="en-US" sz="1200" i="1">
+                            <a:latin typeface="Cambria Math" panose="02040503050406030204" pitchFamily="18" charset="0"/>
+                          </a:rPr>
+                          <m:t>𝑁</m:t>
+                        </m:r>
+                      </m:den>
+                    </m:f>
+                    <m:nary>
+                      <m:naryPr>
+                        <m:chr m:val="∑"/>
+                        <m:limLoc m:val="undOvr"/>
+                        <m:ctrlPr>
+                          <a:rPr lang="en-US" sz="1200" i="1">
+                            <a:latin typeface="Cambria Math" panose="02040503050406030204" pitchFamily="18" charset="0"/>
+                          </a:rPr>
+                        </m:ctrlPr>
+                      </m:naryPr>
+                      <m:sub>
+                        <m:r>
+                          <a:rPr lang="en-US" sz="1200" i="1">
+                            <a:latin typeface="Cambria Math" panose="02040503050406030204" pitchFamily="18" charset="0"/>
+                          </a:rPr>
+                          <m:t>𝑖</m:t>
+                        </m:r>
+                        <m:r>
+                          <a:rPr lang="en-US" sz="1200" i="1">
+                            <a:latin typeface="Cambria Math" panose="02040503050406030204" pitchFamily="18" charset="0"/>
+                          </a:rPr>
+                          <m:t>=</m:t>
+                        </m:r>
+                        <m:r>
+                          <a:rPr lang="en-US" sz="1200" i="1">
+                            <a:latin typeface="Cambria Math" panose="02040503050406030204" pitchFamily="18" charset="0"/>
+                          </a:rPr>
+                          <m:t>1</m:t>
+                        </m:r>
+                      </m:sub>
+                      <m:sup>
+                        <m:r>
+                          <a:rPr lang="en-US" sz="1200" i="1">
+                            <a:latin typeface="Cambria Math" panose="02040503050406030204" pitchFamily="18" charset="0"/>
+                          </a:rPr>
+                          <m:t>𝑁</m:t>
+                        </m:r>
+                      </m:sup>
+                      <m:e>
+                        <m:r>
+                          <a:rPr lang="en-US" sz="1200" i="1">
+                            <a:latin typeface="Cambria Math" panose="02040503050406030204" pitchFamily="18" charset="0"/>
+                          </a:rPr>
+                          <m:t>|</m:t>
+                        </m:r>
+                        <m:sSubSup>
+                          <m:sSubSupPr>
+                            <m:ctrlPr>
+                              <a:rPr lang="en-US" sz="1200" i="1">
+                                <a:latin typeface="Cambria Math" panose="02040503050406030204" pitchFamily="18" charset="0"/>
+                              </a:rPr>
+                            </m:ctrlPr>
+                          </m:sSubSupPr>
+                          <m:e>
+                            <m:r>
+                              <a:rPr lang="en-US" sz="1200" i="1">
+                                <a:latin typeface="Cambria Math" panose="02040503050406030204" pitchFamily="18" charset="0"/>
+                              </a:rPr>
+                              <m:t>𝐼</m:t>
+                            </m:r>
+                          </m:e>
+                          <m:sub>
+                            <m:r>
+                              <a:rPr lang="en-US" sz="1200" i="1">
+                                <a:latin typeface="Cambria Math" panose="02040503050406030204" pitchFamily="18" charset="0"/>
+                              </a:rPr>
+                              <m:t>𝑟𝑒𝑛𝑒𝑟</m:t>
+                            </m:r>
+                          </m:sub>
+                          <m:sup>
+                            <m:r>
+                              <a:rPr lang="en-US" sz="1200" i="1">
+                                <a:latin typeface="Cambria Math" panose="02040503050406030204" pitchFamily="18" charset="0"/>
+                              </a:rPr>
+                              <m:t>𝑖</m:t>
+                            </m:r>
+                          </m:sup>
+                        </m:sSubSup>
+                        <m:r>
+                          <a:rPr lang="en-US" sz="1200" i="1">
+                            <a:latin typeface="Cambria Math" panose="02040503050406030204" pitchFamily="18" charset="0"/>
+                          </a:rPr>
+                          <m:t> − </m:t>
+                        </m:r>
+                        <m:sSubSup>
+                          <m:sSubSupPr>
+                            <m:ctrlPr>
+                              <a:rPr lang="en-US" sz="1200" i="1">
+                                <a:latin typeface="Cambria Math" panose="02040503050406030204" pitchFamily="18" charset="0"/>
+                              </a:rPr>
+                            </m:ctrlPr>
+                          </m:sSubSupPr>
+                          <m:e>
+                            <m:r>
+                              <a:rPr lang="en-US" sz="1200" i="1">
+                                <a:latin typeface="Cambria Math" panose="02040503050406030204" pitchFamily="18" charset="0"/>
+                              </a:rPr>
+                              <m:t>𝐼</m:t>
+                            </m:r>
+                          </m:e>
+                          <m:sub>
+                            <m:r>
+                              <a:rPr lang="en-US" sz="1200" i="1">
+                                <a:latin typeface="Cambria Math" panose="02040503050406030204" pitchFamily="18" charset="0"/>
+                              </a:rPr>
+                              <m:t>𝑔𝑡</m:t>
+                            </m:r>
+                          </m:sub>
+                          <m:sup>
+                            <m:r>
+                              <a:rPr lang="en-US" sz="1200" i="1">
+                                <a:latin typeface="Cambria Math" panose="02040503050406030204" pitchFamily="18" charset="0"/>
+                              </a:rPr>
+                              <m:t>𝑖</m:t>
+                            </m:r>
+                          </m:sup>
+                        </m:sSubSup>
+                        <m:r>
+                          <a:rPr lang="en-US" sz="1200" i="1">
+                            <a:latin typeface="Cambria Math" panose="02040503050406030204" pitchFamily="18" charset="0"/>
+                          </a:rPr>
+                          <m:t>|</m:t>
+                        </m:r>
+                      </m:e>
+                    </m:nary>
+                  </m:oMath>
+                </a14:m>
+                <a:endParaRPr lang="en-US" sz="1200"/>
+              </a:p>
+              <a:p>
+                <a:pPr/>
+                <a14:m>
+                  <m:oMathPara xmlns:m="http://schemas.openxmlformats.org/officeDocument/2006/math">
+                    <m:oMathParaPr>
+                      <m:jc m:val="centerGroup"/>
+                    </m:oMathParaPr>
+                    <m:oMath xmlns:m="http://schemas.openxmlformats.org/officeDocument/2006/math">
+                      <m:sSub>
+                        <m:sSubPr>
+                          <m:ctrlPr>
+                            <a:rPr lang="en-US" sz="1200" i="1">
+                              <a:latin typeface="Cambria Math" panose="02040503050406030204" pitchFamily="18" charset="0"/>
+                            </a:rPr>
+                          </m:ctrlPr>
+                        </m:sSubPr>
+                        <m:e>
+                          <m:r>
+                            <m:rPr>
+                              <m:sty m:val="p"/>
+                            </m:rPr>
+                            <a:rPr lang="en-US" sz="1200">
+                              <a:latin typeface="Cambria Math" panose="02040503050406030204" pitchFamily="18" charset="0"/>
+                            </a:rPr>
+                            <m:t>λ</m:t>
+                          </m:r>
+                        </m:e>
+                        <m:sub>
+                          <m:r>
+                            <a:rPr lang="en-US" sz="1200" i="1">
+                              <a:latin typeface="Cambria Math" panose="02040503050406030204" pitchFamily="18" charset="0"/>
+                            </a:rPr>
+                            <m:t>𝑆𝑆𝐼𝑀</m:t>
+                          </m:r>
+                        </m:sub>
+                      </m:sSub>
+                      <m:r>
+                        <a:rPr lang="en-US" sz="1200" i="1">
+                          <a:latin typeface="Cambria Math" panose="02040503050406030204" pitchFamily="18" charset="0"/>
+                        </a:rPr>
+                        <m:t> = </m:t>
+                      </m:r>
+                      <m:r>
+                        <a:rPr lang="en-US" sz="1200" i="1">
+                          <a:latin typeface="Cambria Math" panose="02040503050406030204" pitchFamily="18" charset="0"/>
+                        </a:rPr>
+                        <m:t>𝑆𝑆𝐼𝑀</m:t>
+                      </m:r>
+                      <m:r>
+                        <a:rPr lang="en-US" sz="1200" i="1">
+                          <a:latin typeface="Cambria Math" panose="02040503050406030204" pitchFamily="18" charset="0"/>
+                        </a:rPr>
+                        <m:t> </m:t>
+                      </m:r>
+                      <m:r>
+                        <a:rPr lang="en-US" sz="1200" i="1">
+                          <a:latin typeface="Cambria Math" panose="02040503050406030204" pitchFamily="18" charset="0"/>
+                        </a:rPr>
+                        <m:t>𝑙𝑜𝑠𝑠</m:t>
+                      </m:r>
+                      <m:r>
+                        <a:rPr lang="en-US" sz="1200" i="1">
+                          <a:latin typeface="Cambria Math" panose="02040503050406030204" pitchFamily="18" charset="0"/>
+                        </a:rPr>
+                        <m:t> </m:t>
+                      </m:r>
+                      <m:r>
+                        <a:rPr lang="en-US" sz="1200" i="1">
+                          <a:latin typeface="Cambria Math" panose="02040503050406030204" pitchFamily="18" charset="0"/>
+                        </a:rPr>
+                        <m:t>𝑤𝑒𝑖𝑔</m:t>
+                      </m:r>
+                      <m:r>
+                        <a:rPr lang="en-US" sz="1200" i="1">
+                          <a:latin typeface="Cambria Math" panose="02040503050406030204" pitchFamily="18" charset="0"/>
+                        </a:rPr>
+                        <m:t>h</m:t>
+                      </m:r>
+                      <m:r>
+                        <a:rPr lang="en-US" sz="1200" i="1">
+                          <a:latin typeface="Cambria Math" panose="02040503050406030204" pitchFamily="18" charset="0"/>
+                        </a:rPr>
+                        <m:t>𝑡</m:t>
+                      </m:r>
+                    </m:oMath>
+                  </m:oMathPara>
+                </a14:m>
+                <a:endParaRPr lang="en-US" sz="1200"/>
+              </a:p>
+              <a:p>
+                <a:pPr/>
+                <a14:m>
+                  <m:oMathPara xmlns:m="http://schemas.openxmlformats.org/officeDocument/2006/math">
+                    <m:oMathParaPr>
+                      <m:jc m:val="centerGroup"/>
+                    </m:oMathParaPr>
+                    <m:oMath xmlns:m="http://schemas.openxmlformats.org/officeDocument/2006/math">
+                      <m:sSub>
+                        <m:sSubPr>
+                          <m:ctrlPr>
+                            <a:rPr lang="en-US" sz="1200" i="1">
+                              <a:latin typeface="Cambria Math" panose="02040503050406030204" pitchFamily="18" charset="0"/>
+                            </a:rPr>
+                          </m:ctrlPr>
+                        </m:sSubPr>
+                        <m:e>
+                          <m:r>
+                            <a:rPr lang="en-US" sz="1200" i="1">
+                              <a:latin typeface="Cambria Math" panose="02040503050406030204" pitchFamily="18" charset="0"/>
+                            </a:rPr>
+                            <m:t>𝐿</m:t>
+                          </m:r>
+                        </m:e>
+                        <m:sub>
+                          <m:r>
+                            <a:rPr lang="en-US" sz="1200" i="1">
+                              <a:latin typeface="Cambria Math" panose="02040503050406030204" pitchFamily="18" charset="0"/>
+                            </a:rPr>
+                            <m:t>𝑆𝑆𝐼𝑀</m:t>
+                          </m:r>
+                        </m:sub>
+                      </m:sSub>
+                      <m:r>
+                        <a:rPr lang="en-US" sz="1200" i="1">
+                          <a:latin typeface="Cambria Math" panose="02040503050406030204" pitchFamily="18" charset="0"/>
+                        </a:rPr>
+                        <m:t> = </m:t>
+                      </m:r>
+                      <m:r>
+                        <a:rPr lang="en-US" sz="1200" i="1">
+                          <a:latin typeface="Cambria Math" panose="02040503050406030204" pitchFamily="18" charset="0"/>
+                        </a:rPr>
+                        <m:t>𝑆𝑆𝐼𝑀</m:t>
+                      </m:r>
+                      <m:r>
+                        <a:rPr lang="en-US" sz="1200" i="1">
+                          <a:latin typeface="Cambria Math" panose="02040503050406030204" pitchFamily="18" charset="0"/>
+                        </a:rPr>
+                        <m:t> </m:t>
+                      </m:r>
+                      <m:r>
+                        <a:rPr lang="en-US" sz="1200" i="1">
+                          <a:latin typeface="Cambria Math" panose="02040503050406030204" pitchFamily="18" charset="0"/>
+                        </a:rPr>
+                        <m:t>𝑙𝑜𝑠𝑠</m:t>
+                      </m:r>
+                    </m:oMath>
+                  </m:oMathPara>
+                </a14:m>
+                <a:endParaRPr lang="en-US" sz="1200"/>
+              </a:p>
+            </p:txBody>
+          </p:sp>
+        </mc:Choice>
+        <mc:Fallback xmlns="">
+          <p:sp>
+            <p:nvSpPr>
+              <p:cNvPr id="2" name="TextBox 1">
+                <a:extLst>
+                  <a:ext uri="{FF2B5EF4-FFF2-40B4-BE49-F238E27FC236}">
+                    <a16:creationId xmlns:a16="http://schemas.microsoft.com/office/drawing/2014/main" id="{8325AD7D-6CC8-44BC-B90C-05F7FD6D9A61}"/>
+                  </a:ext>
+                </a:extLst>
+              </p:cNvPr>
+              <p:cNvSpPr txBox="1">
+                <a:spLocks noRot="1" noChangeAspect="1" noMove="1" noResize="1" noEditPoints="1" noAdjustHandles="1" noChangeArrowheads="1" noChangeShapeType="1" noTextEdit="1"/>
+              </p:cNvSpPr>
+              <p:nvPr/>
+            </p:nvSpPr>
+            <p:spPr>
+              <a:xfrm>
+                <a:off x="8810075" y="5005668"/>
+                <a:ext cx="3334300" cy="1461106"/>
+              </a:xfrm>
+              <a:prstGeom prst="rect">
+                <a:avLst/>
+              </a:prstGeom>
+              <a:blipFill>
+                <a:blip r:embed="rId5"/>
+                <a:stretch>
+                  <a:fillRect l="-1463" b="-2083"/>
                 </a:stretch>
               </a:blipFill>
             </p:spPr>
@@ -14111,7 +14873,7 @@
         <p:spPr>
           <a:xfrm>
             <a:off x="472280" y="1107861"/>
-            <a:ext cx="11244263" cy="1692771"/>
+            <a:ext cx="11244263" cy="2000548"/>
           </a:xfrm>
           <a:prstGeom prst="rect">
             <a:avLst/>
@@ -14173,9 +14935,9 @@
               <a:rPr lang="en-US" sz="2000" dirty="0">
                 <a:latin typeface="Times New Roman" panose="02020603050405020304" pitchFamily="18" charset="0"/>
                 <a:cs typeface="Times New Roman" panose="02020603050405020304" pitchFamily="18" charset="0"/>
-                <a:hlinkClick r:id="rId2" action="ppaction://hlinkfile"/>
+                <a:hlinkClick r:id="rId6" action="ppaction://hlinkfile"/>
               </a:rPr>
-              <a:t>ML in Robotics 202510\mask creation.png</a:t>
+              <a:t>ML in Robotics 202510\RECONSTRUCTED MASKED IMAGES.png</a:t>
             </a:r>
             <a:endParaRPr sz="2400" dirty="0">
               <a:latin typeface="Times New Roman" panose="02020603050405020304" pitchFamily="18" charset="0"/>
@@ -14253,7 +15015,7 @@
             </a:pPr>
             <a:r>
               <a:rPr lang="en-US" dirty="0"/>
-              <a:t>Fig. 2.1 : Image ground truth  and masked image</a:t>
+              <a:t>Fig. 2.1 : Image ground truth  vs Reconstructed Masked Image</a:t>
             </a:r>
             <a:endParaRPr dirty="0"/>
           </a:p>
@@ -14261,49 +15023,78 @@
       </p:sp>
       <p:pic>
         <p:nvPicPr>
-          <p:cNvPr id="1026" name="Picture 2">
+          <p:cNvPr id="5" name="VID-20251231-WA0014">
+            <a:hlinkClick r:id="" action="ppaction://media"/>
             <a:extLst>
               <a:ext uri="{FF2B5EF4-FFF2-40B4-BE49-F238E27FC236}">
-                <a16:creationId xmlns:a16="http://schemas.microsoft.com/office/drawing/2014/main" id="{461855A9-D8DC-4A03-8B4F-B320F15DA9AD}"/>
+                <a16:creationId xmlns:a16="http://schemas.microsoft.com/office/drawing/2014/main" id="{9FB2FEE5-38EF-4E93-A226-96C2EA2968DF}"/>
               </a:ext>
             </a:extLst>
           </p:cNvPr>
           <p:cNvPicPr>
-            <a:picLocks noChangeAspect="1" noChangeArrowheads="1"/>
+            <a:picLocks noChangeAspect="1"/>
           </p:cNvPicPr>
-          <p:nvPr/>
+          <p:nvPr>
+            <a:videoFile r:link="rId2"/>
+            <p:extLst>
+              <p:ext uri="{DAA4B4D4-6D71-4841-9C94-3DE7FCFB9230}">
+                <p14:media xmlns:p14="http://schemas.microsoft.com/office/powerpoint/2010/main" r:embed="rId1"/>
+              </p:ext>
+            </p:extLst>
+          </p:nvPr>
         </p:nvPicPr>
         <p:blipFill>
-          <a:blip r:embed="rId3">
-            <a:extLst>
-              <a:ext uri="{28A0092B-C50C-407E-A947-70E740481C1C}">
-                <a14:useLocalDpi xmlns:a14="http://schemas.microsoft.com/office/drawing/2010/main" val="0"/>
-              </a:ext>
-            </a:extLst>
-          </a:blip>
-          <a:srcRect/>
+          <a:blip r:embed="rId7"/>
           <a:stretch>
             <a:fillRect/>
           </a:stretch>
         </p:blipFill>
-        <p:spPr bwMode="auto">
+        <p:spPr>
           <a:xfrm>
-            <a:off x="1280160" y="3064371"/>
-            <a:ext cx="9376756" cy="3170174"/>
+            <a:off x="472279" y="3108409"/>
+            <a:ext cx="6023633" cy="2993133"/>
           </a:xfrm>
           <a:prstGeom prst="rect">
             <a:avLst/>
           </a:prstGeom>
-          <a:noFill/>
-          <a:extLst>
-            <a:ext uri="{909E8E84-426E-40DD-AFC4-6F175D3DCCD1}">
-              <a14:hiddenFill xmlns:a14="http://schemas.microsoft.com/office/drawing/2010/main">
-                <a:solidFill>
-                  <a:srgbClr val="FFFFFF"/>
-                </a:solidFill>
-              </a14:hiddenFill>
-            </a:ext>
-          </a:extLst>
+        </p:spPr>
+      </p:pic>
+      <p:pic>
+        <p:nvPicPr>
+          <p:cNvPr id="7" name="VID-20251231-WA0016">
+            <a:hlinkClick r:id="" action="ppaction://media"/>
+            <a:extLst>
+              <a:ext uri="{FF2B5EF4-FFF2-40B4-BE49-F238E27FC236}">
+                <a16:creationId xmlns:a16="http://schemas.microsoft.com/office/drawing/2014/main" id="{889BD384-63EC-4A0A-B100-2FE3DAA5181B}"/>
+              </a:ext>
+            </a:extLst>
+          </p:cNvPr>
+          <p:cNvPicPr>
+            <a:picLocks noChangeAspect="1"/>
+          </p:cNvPicPr>
+          <p:nvPr>
+            <a:videoFile r:link="rId4"/>
+            <p:extLst>
+              <p:ext uri="{DAA4B4D4-6D71-4841-9C94-3DE7FCFB9230}">
+                <p14:media xmlns:p14="http://schemas.microsoft.com/office/powerpoint/2010/main" r:embed="rId3"/>
+              </p:ext>
+            </p:extLst>
+          </p:nvPr>
+        </p:nvPicPr>
+        <p:blipFill>
+          <a:blip r:embed="rId8"/>
+          <a:stretch>
+            <a:fillRect/>
+          </a:stretch>
+        </p:blipFill>
+        <p:spPr>
+          <a:xfrm>
+            <a:off x="6094410" y="3108409"/>
+            <a:ext cx="5761161" cy="2993133"/>
+          </a:xfrm>
+          <a:prstGeom prst="rect">
+            <a:avLst/>
+          </a:prstGeom>
         </p:spPr>
       </p:pic>
     </p:spTree>
@@ -14311,6 +15102,246 @@
   <p:clrMapOvr>
     <a:masterClrMapping/>
   </p:clrMapOvr>
+  <p:timing>
+    <p:tnLst>
+      <p:par>
+        <p:cTn id="1" dur="indefinite" restart="never" nodeType="tmRoot">
+          <p:childTnLst>
+            <p:seq concurrent="1" nextAc="seek">
+              <p:cTn id="2" dur="indefinite" nodeType="mainSeq">
+                <p:childTnLst>
+                  <p:par>
+                    <p:cTn id="3" fill="hold">
+                      <p:stCondLst>
+                        <p:cond delay="indefinite"/>
+                      </p:stCondLst>
+                      <p:childTnLst>
+                        <p:par>
+                          <p:cTn id="4" fill="hold">
+                            <p:stCondLst>
+                              <p:cond delay="0"/>
+                            </p:stCondLst>
+                            <p:childTnLst>
+                              <p:par>
+                                <p:cTn id="5" presetID="1" presetClass="mediacall" presetSubtype="0" fill="hold" nodeType="clickEffect">
+                                  <p:stCondLst>
+                                    <p:cond delay="0"/>
+                                  </p:stCondLst>
+                                  <p:childTnLst>
+                                    <p:cmd type="call" cmd="playFrom(0.0)">
+                                      <p:cBhvr>
+                                        <p:cTn id="6" dur="5840" fill="hold"/>
+                                        <p:tgtEl>
+                                          <p:spTgt spid="5"/>
+                                        </p:tgtEl>
+                                      </p:cBhvr>
+                                    </p:cmd>
+                                  </p:childTnLst>
+                                </p:cTn>
+                              </p:par>
+                            </p:childTnLst>
+                          </p:cTn>
+                        </p:par>
+                      </p:childTnLst>
+                    </p:cTn>
+                  </p:par>
+                  <p:par>
+                    <p:cTn id="7" fill="hold">
+                      <p:stCondLst>
+                        <p:cond delay="indefinite"/>
+                      </p:stCondLst>
+                      <p:childTnLst>
+                        <p:par>
+                          <p:cTn id="8" fill="hold">
+                            <p:stCondLst>
+                              <p:cond delay="0"/>
+                            </p:stCondLst>
+                            <p:childTnLst>
+                              <p:par>
+                                <p:cTn id="9" presetID="1" presetClass="mediacall" presetSubtype="0" fill="hold" nodeType="clickEffect">
+                                  <p:stCondLst>
+                                    <p:cond delay="0"/>
+                                  </p:stCondLst>
+                                  <p:childTnLst>
+                                    <p:cmd type="call" cmd="playFrom(0.0)">
+                                      <p:cBhvr>
+                                        <p:cTn id="10" dur="5840" fill="hold"/>
+                                        <p:tgtEl>
+                                          <p:spTgt spid="7"/>
+                                        </p:tgtEl>
+                                      </p:cBhvr>
+                                    </p:cmd>
+                                  </p:childTnLst>
+                                </p:cTn>
+                              </p:par>
+                            </p:childTnLst>
+                          </p:cTn>
+                        </p:par>
+                      </p:childTnLst>
+                    </p:cTn>
+                  </p:par>
+                </p:childTnLst>
+              </p:cTn>
+              <p:prevCondLst>
+                <p:cond evt="onPrev" delay="0">
+                  <p:tgtEl>
+                    <p:sldTgt/>
+                  </p:tgtEl>
+                </p:cond>
+              </p:prevCondLst>
+              <p:nextCondLst>
+                <p:cond evt="onNext" delay="0">
+                  <p:tgtEl>
+                    <p:sldTgt/>
+                  </p:tgtEl>
+                </p:cond>
+              </p:nextCondLst>
+            </p:seq>
+            <p:video>
+              <p:cMediaNode vol="80000">
+                <p:cTn id="11" fill="hold" display="0">
+                  <p:stCondLst>
+                    <p:cond delay="indefinite"/>
+                  </p:stCondLst>
+                </p:cTn>
+                <p:tgtEl>
+                  <p:spTgt spid="5"/>
+                </p:tgtEl>
+              </p:cMediaNode>
+            </p:video>
+            <p:seq concurrent="1" nextAc="seek">
+              <p:cTn id="12" restart="whenNotActive" fill="hold" evtFilter="cancelBubble" nodeType="interactiveSeq">
+                <p:stCondLst>
+                  <p:cond evt="onClick" delay="0">
+                    <p:tgtEl>
+                      <p:spTgt spid="5"/>
+                    </p:tgtEl>
+                  </p:cond>
+                </p:stCondLst>
+                <p:endSync evt="end" delay="0">
+                  <p:rtn val="all"/>
+                </p:endSync>
+                <p:childTnLst>
+                  <p:par>
+                    <p:cTn id="13" fill="hold">
+                      <p:stCondLst>
+                        <p:cond delay="0"/>
+                      </p:stCondLst>
+                      <p:childTnLst>
+                        <p:par>
+                          <p:cTn id="14" fill="hold">
+                            <p:stCondLst>
+                              <p:cond delay="0"/>
+                            </p:stCondLst>
+                            <p:childTnLst>
+                              <p:par>
+                                <p:cTn id="15" presetID="2" presetClass="mediacall" presetSubtype="0" fill="hold" nodeType="clickEffect">
+                                  <p:stCondLst>
+                                    <p:cond delay="0"/>
+                                  </p:stCondLst>
+                                  <p:childTnLst>
+                                    <p:cmd type="call" cmd="togglePause">
+                                      <p:cBhvr>
+                                        <p:cTn id="16" dur="1" fill="hold"/>
+                                        <p:tgtEl>
+                                          <p:spTgt spid="5"/>
+                                        </p:tgtEl>
+                                      </p:cBhvr>
+                                    </p:cmd>
+                                  </p:childTnLst>
+                                </p:cTn>
+                              </p:par>
+                            </p:childTnLst>
+                          </p:cTn>
+                        </p:par>
+                      </p:childTnLst>
+                    </p:cTn>
+                  </p:par>
+                </p:childTnLst>
+              </p:cTn>
+              <p:nextCondLst>
+                <p:cond evt="onClick" delay="0">
+                  <p:tgtEl>
+                    <p:spTgt spid="5"/>
+                  </p:tgtEl>
+                </p:cond>
+              </p:nextCondLst>
+            </p:seq>
+            <p:video>
+              <p:cMediaNode vol="80000">
+                <p:cTn id="17" fill="hold" display="0">
+                  <p:stCondLst>
+                    <p:cond delay="indefinite"/>
+                  </p:stCondLst>
+                </p:cTn>
+                <p:tgtEl>
+                  <p:spTgt spid="7"/>
+                </p:tgtEl>
+              </p:cMediaNode>
+            </p:video>
+            <p:seq concurrent="1" nextAc="seek">
+              <p:cTn id="18" restart="whenNotActive" fill="hold" evtFilter="cancelBubble" nodeType="interactiveSeq">
+                <p:stCondLst>
+                  <p:cond evt="onClick" delay="0">
+                    <p:tgtEl>
+                      <p:spTgt spid="7"/>
+                    </p:tgtEl>
+                  </p:cond>
+                </p:stCondLst>
+                <p:endSync evt="end" delay="0">
+                  <p:rtn val="all"/>
+                </p:endSync>
+                <p:childTnLst>
+                  <p:par>
+                    <p:cTn id="19" fill="hold">
+                      <p:stCondLst>
+                        <p:cond delay="0"/>
+                      </p:stCondLst>
+                      <p:childTnLst>
+                        <p:par>
+                          <p:cTn id="20" fill="hold">
+                            <p:stCondLst>
+                              <p:cond delay="0"/>
+                            </p:stCondLst>
+                            <p:childTnLst>
+                              <p:par>
+                                <p:cTn id="21" presetID="2" presetClass="mediacall" presetSubtype="0" fill="hold" nodeType="clickEffect">
+                                  <p:stCondLst>
+                                    <p:cond delay="0"/>
+                                  </p:stCondLst>
+                                  <p:childTnLst>
+                                    <p:cmd type="call" cmd="togglePause">
+                                      <p:cBhvr>
+                                        <p:cTn id="22" dur="1" fill="hold"/>
+                                        <p:tgtEl>
+                                          <p:spTgt spid="7"/>
+                                        </p:tgtEl>
+                                      </p:cBhvr>
+                                    </p:cmd>
+                                  </p:childTnLst>
+                                </p:cTn>
+                              </p:par>
+                            </p:childTnLst>
+                          </p:cTn>
+                        </p:par>
+                      </p:childTnLst>
+                    </p:cTn>
+                  </p:par>
+                </p:childTnLst>
+              </p:cTn>
+              <p:nextCondLst>
+                <p:cond evt="onClick" delay="0">
+                  <p:tgtEl>
+                    <p:spTgt spid="7"/>
+                  </p:tgtEl>
+                </p:cond>
+              </p:nextCondLst>
+            </p:seq>
+          </p:childTnLst>
+        </p:cTn>
+      </p:par>
+    </p:tnLst>
+  </p:timing>
 </p:sld>
 </file>
 
@@ -14622,8 +15653,8 @@
         </p:nvSpPr>
         <p:spPr>
           <a:xfrm>
-            <a:off x="2698070" y="6226673"/>
-            <a:ext cx="3396342" cy="276999"/>
+            <a:off x="2698069" y="6011231"/>
+            <a:ext cx="5514906" cy="369332"/>
           </a:xfrm>
           <a:prstGeom prst="rect">
             <a:avLst/>
@@ -14638,18 +15669,21 @@
           <a:p>
             <a:pPr algn="ctr"/>
             <a:r>
-              <a:rPr lang="en-US" sz="1200" dirty="0"/>
-              <a:t>Fig 3.0: Ground Truth vs Masked Images</a:t>
+              <a:rPr lang="en-US" dirty="0">
+                <a:latin typeface="Times New Roman" panose="02020603050405020304" pitchFamily="18" charset="0"/>
+                <a:cs typeface="Times New Roman" panose="02020603050405020304" pitchFamily="18" charset="0"/>
+              </a:rPr>
+              <a:t>Fig 3.0: Ground Truth vs Rendering Images</a:t>
             </a:r>
           </a:p>
         </p:txBody>
       </p:sp>
       <p:pic>
         <p:nvPicPr>
-          <p:cNvPr id="2050" name="Picture 2">
+          <p:cNvPr id="3" name="Picture 2">
             <a:extLst>
               <a:ext uri="{FF2B5EF4-FFF2-40B4-BE49-F238E27FC236}">
-                <a16:creationId xmlns:a16="http://schemas.microsoft.com/office/drawing/2014/main" id="{122DBDBA-7CD6-479E-B2C7-F4EC21FB3A5F}"/>
+                <a16:creationId xmlns:a16="http://schemas.microsoft.com/office/drawing/2014/main" id="{25BC21A3-9F18-40DC-9818-84D0A2BEABA9}"/>
               </a:ext>
             </a:extLst>
           </p:cNvPr>
@@ -14673,8 +15707,8 @@
         </p:blipFill>
         <p:spPr bwMode="auto">
           <a:xfrm>
-            <a:off x="216131" y="1248954"/>
-            <a:ext cx="11438314" cy="4685332"/>
+            <a:off x="266007" y="1142999"/>
+            <a:ext cx="11878368" cy="4742411"/>
           </a:xfrm>
           <a:prstGeom prst="rect">
             <a:avLst/>
